--- a/1821144_yoshii_sotsuken_0725.pptx
+++ b/1821144_yoshii_sotsuken_0725.pptx
@@ -4,16 +4,20 @@
   <p:sldMasterIdLst>
     <p:sldMasterId id="2147483648" r:id="rId1"/>
   </p:sldMasterIdLst>
+  <p:notesMasterIdLst>
+    <p:notesMasterId r:id="rId12"/>
+  </p:notesMasterIdLst>
   <p:sldIdLst>
     <p:sldId id="256" r:id="rId2"/>
-    <p:sldId id="262" r:id="rId3"/>
-    <p:sldId id="267" r:id="rId4"/>
-    <p:sldId id="271" r:id="rId5"/>
-    <p:sldId id="263" r:id="rId6"/>
-    <p:sldId id="266" r:id="rId7"/>
-    <p:sldId id="264" r:id="rId8"/>
-    <p:sldId id="260" r:id="rId9"/>
-    <p:sldId id="259" r:id="rId10"/>
+    <p:sldId id="263" r:id="rId3"/>
+    <p:sldId id="266" r:id="rId4"/>
+    <p:sldId id="264" r:id="rId5"/>
+    <p:sldId id="260" r:id="rId6"/>
+    <p:sldId id="259" r:id="rId7"/>
+    <p:sldId id="274" r:id="rId8"/>
+    <p:sldId id="271" r:id="rId9"/>
+    <p:sldId id="272" r:id="rId10"/>
+    <p:sldId id="273" r:id="rId11"/>
   </p:sldIdLst>
   <p:sldSz cx="12192000" cy="6858000"/>
   <p:notesSz cx="6858000" cy="9144000"/>
@@ -120,6 +124,388 @@
 </p:presentation>
 </file>
 
+<file path=ppt/notesMasters/notesMaster1.xml><?xml version="1.0" encoding="utf-8"?>
+<p:notesMaster xmlns:a="http://schemas.openxmlformats.org/drawingml/2006/main" xmlns:r="http://schemas.openxmlformats.org/officeDocument/2006/relationships" xmlns:p="http://schemas.openxmlformats.org/presentationml/2006/main">
+  <p:cSld>
+    <p:bg>
+      <p:bgRef idx="1001">
+        <a:schemeClr val="bg1"/>
+      </p:bgRef>
+    </p:bg>
+    <p:spTree>
+      <p:nvGrpSpPr>
+        <p:cNvPr id="1" name=""/>
+        <p:cNvGrpSpPr/>
+        <p:nvPr/>
+      </p:nvGrpSpPr>
+      <p:grpSpPr>
+        <a:xfrm>
+          <a:off x="0" y="0"/>
+          <a:ext cx="0" cy="0"/>
+          <a:chOff x="0" y="0"/>
+          <a:chExt cx="0" cy="0"/>
+        </a:xfrm>
+      </p:grpSpPr>
+      <p:sp>
+        <p:nvSpPr>
+          <p:cNvPr id="2" name="ヘッダー プレースホルダー 1"/>
+          <p:cNvSpPr>
+            <a:spLocks noGrp="1"/>
+          </p:cNvSpPr>
+          <p:nvPr>
+            <p:ph type="hdr" sz="quarter"/>
+          </p:nvPr>
+        </p:nvSpPr>
+        <p:spPr>
+          <a:xfrm>
+            <a:off x="0" y="0"/>
+            <a:ext cx="2971800" cy="458788"/>
+          </a:xfrm>
+          <a:prstGeom prst="rect">
+            <a:avLst/>
+          </a:prstGeom>
+        </p:spPr>
+        <p:txBody>
+          <a:bodyPr vert="horz" lIns="91440" tIns="45720" rIns="91440" bIns="45720" rtlCol="0"/>
+          <a:lstStyle>
+            <a:lvl1pPr algn="l">
+              <a:defRPr sz="1200"/>
+            </a:lvl1pPr>
+          </a:lstStyle>
+          <a:p>
+            <a:endParaRPr kumimoji="1" lang="ja-JP" altLang="en-US"/>
+          </a:p>
+        </p:txBody>
+      </p:sp>
+      <p:sp>
+        <p:nvSpPr>
+          <p:cNvPr id="3" name="日付プレースホルダー 2"/>
+          <p:cNvSpPr>
+            <a:spLocks noGrp="1"/>
+          </p:cNvSpPr>
+          <p:nvPr>
+            <p:ph type="dt" idx="1"/>
+          </p:nvPr>
+        </p:nvSpPr>
+        <p:spPr>
+          <a:xfrm>
+            <a:off x="3884613" y="0"/>
+            <a:ext cx="2971800" cy="458788"/>
+          </a:xfrm>
+          <a:prstGeom prst="rect">
+            <a:avLst/>
+          </a:prstGeom>
+        </p:spPr>
+        <p:txBody>
+          <a:bodyPr vert="horz" lIns="91440" tIns="45720" rIns="91440" bIns="45720" rtlCol="0"/>
+          <a:lstStyle>
+            <a:lvl1pPr algn="r">
+              <a:defRPr sz="1200"/>
+            </a:lvl1pPr>
+          </a:lstStyle>
+          <a:p>
+            <a:fld id="{68AD2C83-04A2-4979-B2AB-EB53D799B8F8}" type="datetimeFigureOut">
+              <a:rPr kumimoji="1" lang="ja-JP" altLang="en-US" smtClean="0"/>
+              <a:t>2021/7/16</a:t>
+            </a:fld>
+            <a:endParaRPr kumimoji="1" lang="ja-JP" altLang="en-US"/>
+          </a:p>
+        </p:txBody>
+      </p:sp>
+      <p:sp>
+        <p:nvSpPr>
+          <p:cNvPr id="4" name="スライド イメージ プレースホルダー 3"/>
+          <p:cNvSpPr>
+            <a:spLocks noGrp="1" noRot="1" noChangeAspect="1"/>
+          </p:cNvSpPr>
+          <p:nvPr>
+            <p:ph type="sldImg" idx="2"/>
+          </p:nvPr>
+        </p:nvSpPr>
+        <p:spPr>
+          <a:xfrm>
+            <a:off x="685800" y="1143000"/>
+            <a:ext cx="5486400" cy="3086100"/>
+          </a:xfrm>
+          <a:prstGeom prst="rect">
+            <a:avLst/>
+          </a:prstGeom>
+          <a:noFill/>
+          <a:ln w="12700">
+            <a:solidFill>
+              <a:prstClr val="black"/>
+            </a:solidFill>
+          </a:ln>
+        </p:spPr>
+        <p:txBody>
+          <a:bodyPr vert="horz" lIns="91440" tIns="45720" rIns="91440" bIns="45720" rtlCol="0" anchor="ctr"/>
+          <a:lstStyle/>
+          <a:p>
+            <a:endParaRPr lang="ja-JP" altLang="en-US"/>
+          </a:p>
+        </p:txBody>
+      </p:sp>
+      <p:sp>
+        <p:nvSpPr>
+          <p:cNvPr id="5" name="ノート プレースホルダー 4"/>
+          <p:cNvSpPr>
+            <a:spLocks noGrp="1"/>
+          </p:cNvSpPr>
+          <p:nvPr>
+            <p:ph type="body" sz="quarter" idx="3"/>
+          </p:nvPr>
+        </p:nvSpPr>
+        <p:spPr>
+          <a:xfrm>
+            <a:off x="685800" y="4400550"/>
+            <a:ext cx="5486400" cy="3600450"/>
+          </a:xfrm>
+          <a:prstGeom prst="rect">
+            <a:avLst/>
+          </a:prstGeom>
+        </p:spPr>
+        <p:txBody>
+          <a:bodyPr vert="horz" lIns="91440" tIns="45720" rIns="91440" bIns="45720" rtlCol="0"/>
+          <a:lstStyle/>
+          <a:p>
+            <a:pPr lvl="0"/>
+            <a:r>
+              <a:rPr kumimoji="1" lang="ja-JP" altLang="en-US" smtClean="0"/>
+              <a:t>マスター テキストの書式設定</a:t>
+            </a:r>
+          </a:p>
+          <a:p>
+            <a:pPr lvl="1"/>
+            <a:r>
+              <a:rPr kumimoji="1" lang="ja-JP" altLang="en-US" smtClean="0"/>
+              <a:t>第 </a:t>
+            </a:r>
+            <a:r>
+              <a:rPr kumimoji="1" lang="en-US" altLang="ja-JP" smtClean="0"/>
+              <a:t>2 </a:t>
+            </a:r>
+            <a:r>
+              <a:rPr kumimoji="1" lang="ja-JP" altLang="en-US" smtClean="0"/>
+              <a:t>レベル</a:t>
+            </a:r>
+          </a:p>
+          <a:p>
+            <a:pPr lvl="2"/>
+            <a:r>
+              <a:rPr kumimoji="1" lang="ja-JP" altLang="en-US" smtClean="0"/>
+              <a:t>第 </a:t>
+            </a:r>
+            <a:r>
+              <a:rPr kumimoji="1" lang="en-US" altLang="ja-JP" smtClean="0"/>
+              <a:t>3 </a:t>
+            </a:r>
+            <a:r>
+              <a:rPr kumimoji="1" lang="ja-JP" altLang="en-US" smtClean="0"/>
+              <a:t>レベル</a:t>
+            </a:r>
+          </a:p>
+          <a:p>
+            <a:pPr lvl="3"/>
+            <a:r>
+              <a:rPr kumimoji="1" lang="ja-JP" altLang="en-US" smtClean="0"/>
+              <a:t>第 </a:t>
+            </a:r>
+            <a:r>
+              <a:rPr kumimoji="1" lang="en-US" altLang="ja-JP" smtClean="0"/>
+              <a:t>4 </a:t>
+            </a:r>
+            <a:r>
+              <a:rPr kumimoji="1" lang="ja-JP" altLang="en-US" smtClean="0"/>
+              <a:t>レベル</a:t>
+            </a:r>
+          </a:p>
+          <a:p>
+            <a:pPr lvl="4"/>
+            <a:r>
+              <a:rPr kumimoji="1" lang="ja-JP" altLang="en-US" smtClean="0"/>
+              <a:t>第 </a:t>
+            </a:r>
+            <a:r>
+              <a:rPr kumimoji="1" lang="en-US" altLang="ja-JP" smtClean="0"/>
+              <a:t>5 </a:t>
+            </a:r>
+            <a:r>
+              <a:rPr kumimoji="1" lang="ja-JP" altLang="en-US" smtClean="0"/>
+              <a:t>レベル</a:t>
+            </a:r>
+            <a:endParaRPr kumimoji="1" lang="ja-JP" altLang="en-US"/>
+          </a:p>
+        </p:txBody>
+      </p:sp>
+      <p:sp>
+        <p:nvSpPr>
+          <p:cNvPr id="6" name="フッター プレースホルダー 5"/>
+          <p:cNvSpPr>
+            <a:spLocks noGrp="1"/>
+          </p:cNvSpPr>
+          <p:nvPr>
+            <p:ph type="ftr" sz="quarter" idx="4"/>
+          </p:nvPr>
+        </p:nvSpPr>
+        <p:spPr>
+          <a:xfrm>
+            <a:off x="0" y="8685213"/>
+            <a:ext cx="2971800" cy="458787"/>
+          </a:xfrm>
+          <a:prstGeom prst="rect">
+            <a:avLst/>
+          </a:prstGeom>
+        </p:spPr>
+        <p:txBody>
+          <a:bodyPr vert="horz" lIns="91440" tIns="45720" rIns="91440" bIns="45720" rtlCol="0" anchor="b"/>
+          <a:lstStyle>
+            <a:lvl1pPr algn="l">
+              <a:defRPr sz="1200"/>
+            </a:lvl1pPr>
+          </a:lstStyle>
+          <a:p>
+            <a:endParaRPr kumimoji="1" lang="ja-JP" altLang="en-US"/>
+          </a:p>
+        </p:txBody>
+      </p:sp>
+      <p:sp>
+        <p:nvSpPr>
+          <p:cNvPr id="7" name="スライド番号プレースホルダー 6"/>
+          <p:cNvSpPr>
+            <a:spLocks noGrp="1"/>
+          </p:cNvSpPr>
+          <p:nvPr>
+            <p:ph type="sldNum" sz="quarter" idx="5"/>
+          </p:nvPr>
+        </p:nvSpPr>
+        <p:spPr>
+          <a:xfrm>
+            <a:off x="3884613" y="8685213"/>
+            <a:ext cx="2971800" cy="458787"/>
+          </a:xfrm>
+          <a:prstGeom prst="rect">
+            <a:avLst/>
+          </a:prstGeom>
+        </p:spPr>
+        <p:txBody>
+          <a:bodyPr vert="horz" lIns="91440" tIns="45720" rIns="91440" bIns="45720" rtlCol="0" anchor="b"/>
+          <a:lstStyle>
+            <a:lvl1pPr algn="r">
+              <a:defRPr sz="1200"/>
+            </a:lvl1pPr>
+          </a:lstStyle>
+          <a:p>
+            <a:fld id="{DB4FCBA4-624D-4EA2-91CA-E88FDF730D09}" type="slidenum">
+              <a:rPr kumimoji="1" lang="ja-JP" altLang="en-US" smtClean="0"/>
+              <a:t>‹#›</a:t>
+            </a:fld>
+            <a:endParaRPr kumimoji="1" lang="ja-JP" altLang="en-US"/>
+          </a:p>
+        </p:txBody>
+      </p:sp>
+    </p:spTree>
+    <p:extLst>
+      <p:ext uri="{BB962C8B-B14F-4D97-AF65-F5344CB8AC3E}">
+        <p14:creationId xmlns:p14="http://schemas.microsoft.com/office/powerpoint/2010/main" val="4250398778"/>
+      </p:ext>
+    </p:extLst>
+  </p:cSld>
+  <p:clrMap bg1="lt1" tx1="dk1" bg2="lt2" tx2="dk2" accent1="accent1" accent2="accent2" accent3="accent3" accent4="accent4" accent5="accent5" accent6="accent6" hlink="hlink" folHlink="folHlink"/>
+  <p:notesStyle>
+    <a:lvl1pPr marL="0" algn="l" defTabSz="914400" rtl="0" eaLnBrk="1" latinLnBrk="0" hangingPunct="1">
+      <a:defRPr kumimoji="1" sz="1200" kern="1200">
+        <a:solidFill>
+          <a:schemeClr val="tx1"/>
+        </a:solidFill>
+        <a:latin typeface="+mn-lt"/>
+        <a:ea typeface="+mn-ea"/>
+        <a:cs typeface="+mn-cs"/>
+      </a:defRPr>
+    </a:lvl1pPr>
+    <a:lvl2pPr marL="457200" algn="l" defTabSz="914400" rtl="0" eaLnBrk="1" latinLnBrk="0" hangingPunct="1">
+      <a:defRPr kumimoji="1" sz="1200" kern="1200">
+        <a:solidFill>
+          <a:schemeClr val="tx1"/>
+        </a:solidFill>
+        <a:latin typeface="+mn-lt"/>
+        <a:ea typeface="+mn-ea"/>
+        <a:cs typeface="+mn-cs"/>
+      </a:defRPr>
+    </a:lvl2pPr>
+    <a:lvl3pPr marL="914400" algn="l" defTabSz="914400" rtl="0" eaLnBrk="1" latinLnBrk="0" hangingPunct="1">
+      <a:defRPr kumimoji="1" sz="1200" kern="1200">
+        <a:solidFill>
+          <a:schemeClr val="tx1"/>
+        </a:solidFill>
+        <a:latin typeface="+mn-lt"/>
+        <a:ea typeface="+mn-ea"/>
+        <a:cs typeface="+mn-cs"/>
+      </a:defRPr>
+    </a:lvl3pPr>
+    <a:lvl4pPr marL="1371600" algn="l" defTabSz="914400" rtl="0" eaLnBrk="1" latinLnBrk="0" hangingPunct="1">
+      <a:defRPr kumimoji="1" sz="1200" kern="1200">
+        <a:solidFill>
+          <a:schemeClr val="tx1"/>
+        </a:solidFill>
+        <a:latin typeface="+mn-lt"/>
+        <a:ea typeface="+mn-ea"/>
+        <a:cs typeface="+mn-cs"/>
+      </a:defRPr>
+    </a:lvl4pPr>
+    <a:lvl5pPr marL="1828800" algn="l" defTabSz="914400" rtl="0" eaLnBrk="1" latinLnBrk="0" hangingPunct="1">
+      <a:defRPr kumimoji="1" sz="1200" kern="1200">
+        <a:solidFill>
+          <a:schemeClr val="tx1"/>
+        </a:solidFill>
+        <a:latin typeface="+mn-lt"/>
+        <a:ea typeface="+mn-ea"/>
+        <a:cs typeface="+mn-cs"/>
+      </a:defRPr>
+    </a:lvl5pPr>
+    <a:lvl6pPr marL="2286000" algn="l" defTabSz="914400" rtl="0" eaLnBrk="1" latinLnBrk="0" hangingPunct="1">
+      <a:defRPr kumimoji="1" sz="1200" kern="1200">
+        <a:solidFill>
+          <a:schemeClr val="tx1"/>
+        </a:solidFill>
+        <a:latin typeface="+mn-lt"/>
+        <a:ea typeface="+mn-ea"/>
+        <a:cs typeface="+mn-cs"/>
+      </a:defRPr>
+    </a:lvl6pPr>
+    <a:lvl7pPr marL="2743200" algn="l" defTabSz="914400" rtl="0" eaLnBrk="1" latinLnBrk="0" hangingPunct="1">
+      <a:defRPr kumimoji="1" sz="1200" kern="1200">
+        <a:solidFill>
+          <a:schemeClr val="tx1"/>
+        </a:solidFill>
+        <a:latin typeface="+mn-lt"/>
+        <a:ea typeface="+mn-ea"/>
+        <a:cs typeface="+mn-cs"/>
+      </a:defRPr>
+    </a:lvl7pPr>
+    <a:lvl8pPr marL="3200400" algn="l" defTabSz="914400" rtl="0" eaLnBrk="1" latinLnBrk="0" hangingPunct="1">
+      <a:defRPr kumimoji="1" sz="1200" kern="1200">
+        <a:solidFill>
+          <a:schemeClr val="tx1"/>
+        </a:solidFill>
+        <a:latin typeface="+mn-lt"/>
+        <a:ea typeface="+mn-ea"/>
+        <a:cs typeface="+mn-cs"/>
+      </a:defRPr>
+    </a:lvl8pPr>
+    <a:lvl9pPr marL="3657600" algn="l" defTabSz="914400" rtl="0" eaLnBrk="1" latinLnBrk="0" hangingPunct="1">
+      <a:defRPr kumimoji="1" sz="1200" kern="1200">
+        <a:solidFill>
+          <a:schemeClr val="tx1"/>
+        </a:solidFill>
+        <a:latin typeface="+mn-lt"/>
+        <a:ea typeface="+mn-ea"/>
+        <a:cs typeface="+mn-cs"/>
+      </a:defRPr>
+    </a:lvl9pPr>
+  </p:notesStyle>
+</p:notesMaster>
+</file>
+
 <file path=ppt/slideLayouts/slideLayout1.xml><?xml version="1.0" encoding="utf-8"?>
 <p:sldLayout xmlns:a="http://schemas.openxmlformats.org/drawingml/2006/main" xmlns:r="http://schemas.openxmlformats.org/officeDocument/2006/relationships" xmlns:p="http://schemas.openxmlformats.org/presentationml/2006/main" type="title" preserve="1">
   <p:cSld name="タイトル スライド">
@@ -249,9 +635,9 @@
           <a:bodyPr/>
           <a:lstStyle/>
           <a:p>
-            <a:fld id="{34BC9015-F5A6-4014-97DF-2577D9772A0C}" type="datetimeFigureOut">
-              <a:rPr kumimoji="1" lang="ja-JP" altLang="en-US" smtClean="0"/>
-              <a:t>2021/7/2</a:t>
+            <a:fld id="{123CA3E2-FCE9-4EB3-8751-817CB2666340}" type="datetime1">
+              <a:rPr kumimoji="1" lang="ja-JP" altLang="en-US" smtClean="0"/>
+              <a:t>2021/7/16</a:t>
             </a:fld>
             <a:endParaRPr kumimoji="1" lang="ja-JP" altLang="en-US"/>
           </a:p>
@@ -451,9 +837,9 @@
           <a:bodyPr/>
           <a:lstStyle/>
           <a:p>
-            <a:fld id="{34BC9015-F5A6-4014-97DF-2577D9772A0C}" type="datetimeFigureOut">
-              <a:rPr kumimoji="1" lang="ja-JP" altLang="en-US" smtClean="0"/>
-              <a:t>2021/7/2</a:t>
+            <a:fld id="{29BA9793-3233-4CED-949D-9239CA8307C0}" type="datetime1">
+              <a:rPr kumimoji="1" lang="ja-JP" altLang="en-US" smtClean="0"/>
+              <a:t>2021/7/16</a:t>
             </a:fld>
             <a:endParaRPr kumimoji="1" lang="ja-JP" altLang="en-US"/>
           </a:p>
@@ -663,9 +1049,9 @@
           <a:bodyPr/>
           <a:lstStyle/>
           <a:p>
-            <a:fld id="{34BC9015-F5A6-4014-97DF-2577D9772A0C}" type="datetimeFigureOut">
-              <a:rPr kumimoji="1" lang="ja-JP" altLang="en-US" smtClean="0"/>
-              <a:t>2021/7/2</a:t>
+            <a:fld id="{80A8B360-7489-4EDB-AA95-498B76DED297}" type="datetime1">
+              <a:rPr kumimoji="1" lang="ja-JP" altLang="en-US" smtClean="0"/>
+              <a:t>2021/7/16</a:t>
             </a:fld>
             <a:endParaRPr kumimoji="1" lang="ja-JP" altLang="en-US"/>
           </a:p>
@@ -865,9 +1251,9 @@
           <a:bodyPr/>
           <a:lstStyle/>
           <a:p>
-            <a:fld id="{34BC9015-F5A6-4014-97DF-2577D9772A0C}" type="datetimeFigureOut">
-              <a:rPr kumimoji="1" lang="ja-JP" altLang="en-US" smtClean="0"/>
-              <a:t>2021/7/2</a:t>
+            <a:fld id="{D2CB566C-5E1E-4042-A984-A51016461BC1}" type="datetime1">
+              <a:rPr kumimoji="1" lang="ja-JP" altLang="en-US" smtClean="0"/>
+              <a:t>2021/7/16</a:t>
             </a:fld>
             <a:endParaRPr kumimoji="1" lang="ja-JP" altLang="en-US"/>
           </a:p>
@@ -1111,9 +1497,9 @@
           <a:bodyPr/>
           <a:lstStyle/>
           <a:p>
-            <a:fld id="{34BC9015-F5A6-4014-97DF-2577D9772A0C}" type="datetimeFigureOut">
-              <a:rPr kumimoji="1" lang="ja-JP" altLang="en-US" smtClean="0"/>
-              <a:t>2021/7/2</a:t>
+            <a:fld id="{C3BB3A75-D5D5-435A-AA7E-44D687958C88}" type="datetime1">
+              <a:rPr kumimoji="1" lang="ja-JP" altLang="en-US" smtClean="0"/>
+              <a:t>2021/7/16</a:t>
             </a:fld>
             <a:endParaRPr kumimoji="1" lang="ja-JP" altLang="en-US"/>
           </a:p>
@@ -1407,9 +1793,9 @@
           <a:bodyPr/>
           <a:lstStyle/>
           <a:p>
-            <a:fld id="{34BC9015-F5A6-4014-97DF-2577D9772A0C}" type="datetimeFigureOut">
-              <a:rPr kumimoji="1" lang="ja-JP" altLang="en-US" smtClean="0"/>
-              <a:t>2021/7/2</a:t>
+            <a:fld id="{96DA33EE-A83D-409E-A0E2-2896D32A9446}" type="datetime1">
+              <a:rPr kumimoji="1" lang="ja-JP" altLang="en-US" smtClean="0"/>
+              <a:t>2021/7/16</a:t>
             </a:fld>
             <a:endParaRPr kumimoji="1" lang="ja-JP" altLang="en-US"/>
           </a:p>
@@ -1838,9 +2224,9 @@
           <a:bodyPr/>
           <a:lstStyle/>
           <a:p>
-            <a:fld id="{34BC9015-F5A6-4014-97DF-2577D9772A0C}" type="datetimeFigureOut">
-              <a:rPr kumimoji="1" lang="ja-JP" altLang="en-US" smtClean="0"/>
-              <a:t>2021/7/2</a:t>
+            <a:fld id="{472E4B4D-9336-493F-85F4-72E2BA3BFEF1}" type="datetime1">
+              <a:rPr kumimoji="1" lang="ja-JP" altLang="en-US" smtClean="0"/>
+              <a:t>2021/7/16</a:t>
             </a:fld>
             <a:endParaRPr kumimoji="1" lang="ja-JP" altLang="en-US"/>
           </a:p>
@@ -1956,9 +2342,9 @@
           <a:bodyPr/>
           <a:lstStyle/>
           <a:p>
-            <a:fld id="{34BC9015-F5A6-4014-97DF-2577D9772A0C}" type="datetimeFigureOut">
-              <a:rPr kumimoji="1" lang="ja-JP" altLang="en-US" smtClean="0"/>
-              <a:t>2021/7/2</a:t>
+            <a:fld id="{BC92A1C0-43C8-413A-AFF4-4D486A00AA1B}" type="datetime1">
+              <a:rPr kumimoji="1" lang="ja-JP" altLang="en-US" smtClean="0"/>
+              <a:t>2021/7/16</a:t>
             </a:fld>
             <a:endParaRPr kumimoji="1" lang="ja-JP" altLang="en-US"/>
           </a:p>
@@ -2051,9 +2437,9 @@
           <a:bodyPr/>
           <a:lstStyle/>
           <a:p>
-            <a:fld id="{34BC9015-F5A6-4014-97DF-2577D9772A0C}" type="datetimeFigureOut">
-              <a:rPr kumimoji="1" lang="ja-JP" altLang="en-US" smtClean="0"/>
-              <a:t>2021/7/2</a:t>
+            <a:fld id="{D92CA330-C2A0-496C-8715-55A7C2959D75}" type="datetime1">
+              <a:rPr kumimoji="1" lang="ja-JP" altLang="en-US" smtClean="0"/>
+              <a:t>2021/7/16</a:t>
             </a:fld>
             <a:endParaRPr kumimoji="1" lang="ja-JP" altLang="en-US"/>
           </a:p>
@@ -2360,9 +2746,9 @@
           <a:bodyPr/>
           <a:lstStyle/>
           <a:p>
-            <a:fld id="{34BC9015-F5A6-4014-97DF-2577D9772A0C}" type="datetimeFigureOut">
-              <a:rPr kumimoji="1" lang="ja-JP" altLang="en-US" smtClean="0"/>
-              <a:t>2021/7/2</a:t>
+            <a:fld id="{8CDF71CE-7C52-4325-B0CB-C698832585B7}" type="datetime1">
+              <a:rPr kumimoji="1" lang="ja-JP" altLang="en-US" smtClean="0"/>
+              <a:t>2021/7/16</a:t>
             </a:fld>
             <a:endParaRPr kumimoji="1" lang="ja-JP" altLang="en-US"/>
           </a:p>
@@ -2613,9 +2999,9 @@
           <a:bodyPr/>
           <a:lstStyle/>
           <a:p>
-            <a:fld id="{34BC9015-F5A6-4014-97DF-2577D9772A0C}" type="datetimeFigureOut">
-              <a:rPr kumimoji="1" lang="ja-JP" altLang="en-US" smtClean="0"/>
-              <a:t>2021/7/2</a:t>
+            <a:fld id="{04D977D7-DAEF-45C3-B400-4865A8EEA098}" type="datetime1">
+              <a:rPr kumimoji="1" lang="ja-JP" altLang="en-US" smtClean="0"/>
+              <a:t>2021/7/16</a:t>
             </a:fld>
             <a:endParaRPr kumimoji="1" lang="ja-JP" altLang="en-US"/>
           </a:p>
@@ -2858,9 +3244,9 @@
             </a:lvl1pPr>
           </a:lstStyle>
           <a:p>
-            <a:fld id="{34BC9015-F5A6-4014-97DF-2577D9772A0C}" type="datetimeFigureOut">
-              <a:rPr kumimoji="1" lang="ja-JP" altLang="en-US" smtClean="0"/>
-              <a:t>2021/7/2</a:t>
+            <a:fld id="{E34BF2E6-EDA5-4DC5-A334-169DABF03451}" type="datetime1">
+              <a:rPr kumimoji="1" lang="ja-JP" altLang="en-US" smtClean="0"/>
+              <a:t>2021/7/16</a:t>
             </a:fld>
             <a:endParaRPr kumimoji="1" lang="ja-JP" altLang="en-US"/>
           </a:p>
@@ -2965,6 +3351,7 @@
     <p:sldLayoutId id="2147483658" r:id="rId10"/>
     <p:sldLayoutId id="2147483659" r:id="rId11"/>
   </p:sldLayoutIdLst>
+  <p:hf hdr="0" ftr="0" dt="0"/>
   <p:txStyles>
     <p:titleStyle>
       <a:lvl1pPr algn="l" defTabSz="914400" rtl="0" eaLnBrk="1" latinLnBrk="0" hangingPunct="1">
@@ -3295,6 +3682,29 @@
           </a:p>
         </p:txBody>
       </p:sp>
+      <p:sp>
+        <p:nvSpPr>
+          <p:cNvPr id="3" name="スライド番号プレースホルダー 2"/>
+          <p:cNvSpPr>
+            <a:spLocks noGrp="1"/>
+          </p:cNvSpPr>
+          <p:nvPr>
+            <p:ph type="sldNum" sz="quarter" idx="12"/>
+          </p:nvPr>
+        </p:nvSpPr>
+        <p:spPr/>
+        <p:txBody>
+          <a:bodyPr/>
+          <a:lstStyle/>
+          <a:p>
+            <a:fld id="{5BD3F0FA-6004-41A1-8B41-907EE258FC72}" type="slidenum">
+              <a:rPr kumimoji="1" lang="ja-JP" altLang="en-US" smtClean="0"/>
+              <a:t>1</a:t>
+            </a:fld>
+            <a:endParaRPr kumimoji="1" lang="ja-JP" altLang="en-US"/>
+          </a:p>
+        </p:txBody>
+      </p:sp>
     </p:spTree>
     <p:extLst>
       <p:ext uri="{BB962C8B-B14F-4D97-AF65-F5344CB8AC3E}">
@@ -3305,6 +3715,116 @@
   <p:clrMapOvr>
     <a:masterClrMapping/>
   </p:clrMapOvr>
+  <p:timing>
+    <p:tnLst>
+      <p:par>
+        <p:cTn id="1" dur="indefinite" restart="never" nodeType="tmRoot"/>
+      </p:par>
+    </p:tnLst>
+  </p:timing>
+</p:sld>
+</file>
+
+<file path=ppt/slides/slide10.xml><?xml version="1.0" encoding="utf-8"?>
+<p:sld xmlns:a="http://schemas.openxmlformats.org/drawingml/2006/main" xmlns:r="http://schemas.openxmlformats.org/officeDocument/2006/relationships" xmlns:p="http://schemas.openxmlformats.org/presentationml/2006/main">
+  <p:cSld>
+    <p:spTree>
+      <p:nvGrpSpPr>
+        <p:cNvPr id="1" name=""/>
+        <p:cNvGrpSpPr/>
+        <p:nvPr/>
+      </p:nvGrpSpPr>
+      <p:grpSpPr>
+        <a:xfrm>
+          <a:off x="0" y="0"/>
+          <a:ext cx="0" cy="0"/>
+          <a:chOff x="0" y="0"/>
+          <a:chExt cx="0" cy="0"/>
+        </a:xfrm>
+      </p:grpSpPr>
+      <p:sp>
+        <p:nvSpPr>
+          <p:cNvPr id="3" name="コンテンツ プレースホルダー 2"/>
+          <p:cNvSpPr>
+            <a:spLocks noGrp="1"/>
+          </p:cNvSpPr>
+          <p:nvPr>
+            <p:ph idx="1"/>
+          </p:nvPr>
+        </p:nvSpPr>
+        <p:spPr>
+          <a:xfrm>
+            <a:off x="838200" y="508000"/>
+            <a:ext cx="10515600" cy="5668963"/>
+          </a:xfrm>
+        </p:spPr>
+        <p:txBody>
+          <a:bodyPr>
+            <a:normAutofit/>
+          </a:bodyPr>
+          <a:lstStyle/>
+          <a:p>
+            <a:pPr marL="0" indent="0">
+              <a:buNone/>
+            </a:pPr>
+            <a:r>
+              <a:rPr lang="ja-JP" altLang="en-US" sz="3200" dirty="0" smtClean="0"/>
+              <a:t>これらを画像認識でいくつかのジャンルに分けようと思っている。</a:t>
+            </a:r>
+            <a:endParaRPr lang="en-US" altLang="ja-JP" sz="3200" dirty="0" smtClean="0"/>
+          </a:p>
+          <a:p>
+            <a:pPr marL="0" indent="0">
+              <a:buNone/>
+            </a:pPr>
+            <a:r>
+              <a:rPr lang="ja-JP" altLang="en-US" sz="3200" dirty="0" smtClean="0"/>
+              <a:t>しかし、以前考えていた壮大や激しいなどといった、どちらかというと雰囲気的なジャンルに分けるときに不安が残るためジャンル分けを考え直す必要があるかもしれない。</a:t>
+            </a:r>
+            <a:endParaRPr kumimoji="1" lang="ja-JP" altLang="en-US" sz="3200" dirty="0"/>
+          </a:p>
+        </p:txBody>
+      </p:sp>
+      <p:sp>
+        <p:nvSpPr>
+          <p:cNvPr id="4" name="スライド番号プレースホルダー 3"/>
+          <p:cNvSpPr>
+            <a:spLocks noGrp="1"/>
+          </p:cNvSpPr>
+          <p:nvPr>
+            <p:ph type="sldNum" sz="quarter" idx="12"/>
+          </p:nvPr>
+        </p:nvSpPr>
+        <p:spPr/>
+        <p:txBody>
+          <a:bodyPr/>
+          <a:lstStyle/>
+          <a:p>
+            <a:fld id="{5BD3F0FA-6004-41A1-8B41-907EE258FC72}" type="slidenum">
+              <a:rPr kumimoji="1" lang="ja-JP" altLang="en-US" smtClean="0"/>
+              <a:t>10</a:t>
+            </a:fld>
+            <a:endParaRPr kumimoji="1" lang="ja-JP" altLang="en-US"/>
+          </a:p>
+        </p:txBody>
+      </p:sp>
+    </p:spTree>
+    <p:extLst>
+      <p:ext uri="{BB962C8B-B14F-4D97-AF65-F5344CB8AC3E}">
+        <p14:creationId xmlns:p14="http://schemas.microsoft.com/office/powerpoint/2010/main" val="3037249524"/>
+      </p:ext>
+    </p:extLst>
+  </p:cSld>
+  <p:clrMapOvr>
+    <a:masterClrMapping/>
+  </p:clrMapOvr>
+  <p:timing>
+    <p:tnLst>
+      <p:par>
+        <p:cTn id="1" dur="indefinite" restart="never" nodeType="tmRoot"/>
+      </p:par>
+    </p:tnLst>
+  </p:timing>
 </p:sld>
 </file>
 
@@ -3341,12 +3861,8 @@
           <a:lstStyle/>
           <a:p>
             <a:r>
-              <a:rPr lang="en-US" altLang="ja-JP" dirty="0" smtClean="0"/>
-              <a:t>~6/18</a:t>
-            </a:r>
-            <a:r>
               <a:rPr kumimoji="1" lang="ja-JP" altLang="en-US" dirty="0" smtClean="0"/>
-              <a:t>の作業</a:t>
+              <a:t>研究背景</a:t>
             </a:r>
             <a:endParaRPr kumimoji="1" lang="ja-JP" altLang="en-US" dirty="0"/>
           </a:p>
@@ -3365,177 +3881,112 @@
         <p:spPr/>
         <p:txBody>
           <a:bodyPr>
-            <a:normAutofit lnSpcReduction="10000"/>
+            <a:normAutofit/>
           </a:bodyPr>
           <a:lstStyle/>
           <a:p>
+            <a:r>
+              <a:rPr kumimoji="1" lang="ja-JP" altLang="en-US" sz="3200" dirty="0" smtClean="0"/>
+              <a:t>近年では</a:t>
+            </a:r>
+            <a:r>
+              <a:rPr lang="ja-JP" altLang="en-US" sz="3200" dirty="0"/>
+              <a:t>誰でも</a:t>
+            </a:r>
+            <a:r>
+              <a:rPr kumimoji="1" lang="ja-JP" altLang="en-US" sz="3200" dirty="0" smtClean="0"/>
+              <a:t>音楽データをインターネット上にアップロード</a:t>
+            </a:r>
+            <a:r>
+              <a:rPr lang="ja-JP" altLang="en-US" sz="3200" dirty="0"/>
+              <a:t>できるよう</a:t>
+            </a:r>
+            <a:r>
+              <a:rPr lang="ja-JP" altLang="en-US" sz="3200" dirty="0" smtClean="0"/>
+              <a:t>になっている。</a:t>
+            </a:r>
+            <a:endParaRPr kumimoji="1" lang="en-US" altLang="ja-JP" sz="3200" dirty="0" smtClean="0"/>
+          </a:p>
+          <a:p>
             <a:pPr marL="0" indent="0">
               <a:buNone/>
             </a:pPr>
             <a:r>
-              <a:rPr kumimoji="1" lang="ja-JP" altLang="en-US" dirty="0" smtClean="0"/>
-              <a:t>・この</a:t>
-            </a:r>
-            <a:r>
-              <a:rPr kumimoji="1" lang="en-US" altLang="ja-JP" dirty="0" smtClean="0"/>
-              <a:t>PP</a:t>
-            </a:r>
-            <a:r>
-              <a:rPr kumimoji="1" lang="ja-JP" altLang="en-US" dirty="0" smtClean="0"/>
-              <a:t>の作成</a:t>
-            </a:r>
-            <a:endParaRPr kumimoji="1" lang="en-US" altLang="ja-JP" dirty="0" smtClean="0"/>
+              <a:rPr kumimoji="1" lang="ja-JP" altLang="en-US" sz="3200" dirty="0" smtClean="0"/>
+              <a:t>その音楽データのジャンル分けをしたい</a:t>
+            </a:r>
+            <a:r>
+              <a:rPr kumimoji="1" lang="ja-JP" altLang="en-US" sz="3200" dirty="0" smtClean="0"/>
+              <a:t>。</a:t>
+            </a:r>
+            <a:endParaRPr kumimoji="1" lang="en-US" altLang="ja-JP" sz="3200" dirty="0" smtClean="0"/>
           </a:p>
           <a:p>
             <a:pPr marL="0" indent="0">
               <a:buNone/>
             </a:pPr>
-            <a:r>
-              <a:rPr lang="ja-JP" altLang="en-US" dirty="0" smtClean="0"/>
-              <a:t>・音楽のジャンル分け</a:t>
-            </a:r>
-            <a:r>
-              <a:rPr lang="en-US" altLang="ja-JP" dirty="0" smtClean="0"/>
-              <a:t>NN</a:t>
-            </a:r>
-            <a:r>
-              <a:rPr lang="ja-JP" altLang="en-US" dirty="0" smtClean="0"/>
-              <a:t>の調査</a:t>
-            </a:r>
-            <a:endParaRPr lang="en-US" altLang="ja-JP" dirty="0" smtClean="0"/>
+            <a:endParaRPr lang="en-US" altLang="ja-JP" sz="3200" dirty="0"/>
           </a:p>
           <a:p>
             <a:pPr marL="0" indent="0">
               <a:buNone/>
             </a:pPr>
             <a:r>
-              <a:rPr lang="en-US" altLang="ja-JP" dirty="0" smtClean="0"/>
-              <a:t>	『</a:t>
-            </a:r>
-            <a:r>
-              <a:rPr lang="en-US" altLang="ja-JP" b="1" dirty="0" err="1" smtClean="0"/>
-              <a:t>Keras</a:t>
-            </a:r>
-            <a:r>
-              <a:rPr lang="ja-JP" altLang="en-US" b="1" dirty="0"/>
-              <a:t>を使って音楽をジャンル分けしてみた</a:t>
-            </a:r>
-            <a:r>
-              <a:rPr lang="en-US" altLang="ja-JP" dirty="0" smtClean="0"/>
-              <a:t>』</a:t>
-            </a:r>
-          </a:p>
-          <a:p>
-            <a:pPr marL="0" indent="0">
-              <a:buNone/>
-            </a:pPr>
-            <a:r>
-              <a:rPr lang="ja-JP" altLang="en-US" dirty="0" smtClean="0"/>
-              <a:t>　　→</a:t>
-            </a:r>
-            <a:r>
-              <a:rPr lang="en-US" altLang="ja-JP" dirty="0" smtClean="0"/>
-              <a:t>https://qiita.com/1plus4/items/e8a102b349b5ae16f97d</a:t>
-            </a:r>
-          </a:p>
-          <a:p>
-            <a:pPr marL="0" indent="0">
-              <a:buNone/>
-            </a:pPr>
-            <a:r>
-              <a:rPr kumimoji="1" lang="ja-JP" altLang="en-US" dirty="0" smtClean="0"/>
-              <a:t>・感情分類の調査</a:t>
-            </a:r>
-            <a:endParaRPr kumimoji="1" lang="en-US" altLang="ja-JP" dirty="0" smtClean="0"/>
-          </a:p>
-          <a:p>
-            <a:pPr marL="0" indent="0">
-              <a:buNone/>
-            </a:pPr>
-            <a:r>
-              <a:rPr kumimoji="1" lang="en-US" altLang="ja-JP" sz="2400" dirty="0" smtClean="0"/>
-              <a:t>	『</a:t>
-            </a:r>
-            <a:r>
-              <a:rPr lang="ja-JP" altLang="en-US" sz="2400" dirty="0"/>
-              <a:t>文章、表情、音声の感情分析に使えるデータセット</a:t>
-            </a:r>
-            <a:r>
-              <a:rPr lang="ja-JP" altLang="en-US" sz="2400" dirty="0" smtClean="0"/>
-              <a:t>まとめ</a:t>
-            </a:r>
-            <a:r>
-              <a:rPr kumimoji="1" lang="en-US" altLang="ja-JP" sz="2400" dirty="0" smtClean="0"/>
-              <a:t>』</a:t>
-            </a:r>
-          </a:p>
-          <a:p>
-            <a:pPr marL="914400" lvl="2" indent="0">
-              <a:buNone/>
-            </a:pPr>
-            <a:r>
-              <a:rPr lang="ja-JP" altLang="en-US" dirty="0" smtClean="0"/>
-              <a:t>→</a:t>
-            </a:r>
-            <a:r>
-              <a:rPr lang="en-US" altLang="ja-JP" dirty="0" smtClean="0"/>
-              <a:t>https://lionbridge.ai/ja/datasets/15-free-sentiment-analysis-</a:t>
-            </a:r>
-            <a:r>
-              <a:rPr lang="ja-JP" altLang="en-US" dirty="0" smtClean="0"/>
-              <a:t>　　　　　　</a:t>
-            </a:r>
-            <a:r>
-              <a:rPr lang="en-US" altLang="ja-JP" dirty="0" smtClean="0"/>
-              <a:t>datasets-for-machine-learning/</a:t>
-            </a:r>
-          </a:p>
-          <a:p>
-            <a:pPr marL="914400" lvl="2" indent="0">
-              <a:buNone/>
-            </a:pPr>
-            <a:r>
-              <a:rPr kumimoji="1" lang="en-US" altLang="ja-JP" dirty="0"/>
-              <a:t>『』</a:t>
-            </a:r>
-            <a:endParaRPr kumimoji="1" lang="en-US" altLang="ja-JP" dirty="0" smtClean="0"/>
-          </a:p>
-          <a:p>
-            <a:pPr marL="0" indent="0">
-              <a:buNone/>
-            </a:pPr>
-            <a:r>
-              <a:rPr lang="ja-JP" altLang="en-US" dirty="0" smtClean="0"/>
-              <a:t>・ラウンドロビンの説明</a:t>
-            </a:r>
-            <a:r>
-              <a:rPr lang="en-US" altLang="ja-JP" dirty="0" smtClean="0"/>
-              <a:t>PP</a:t>
-            </a:r>
-            <a:r>
-              <a:rPr lang="ja-JP" altLang="en-US" dirty="0" smtClean="0"/>
-              <a:t>の作成</a:t>
-            </a:r>
-            <a:endParaRPr kumimoji="1" lang="en-US" altLang="ja-JP" dirty="0" smtClean="0"/>
-          </a:p>
-          <a:p>
-            <a:pPr marL="0" indent="0">
-              <a:buNone/>
-            </a:pPr>
-            <a:endParaRPr kumimoji="1" lang="ja-JP" altLang="en-US" dirty="0"/>
+              <a:rPr kumimoji="1" lang="ja-JP" altLang="en-US" sz="3200" dirty="0" smtClean="0"/>
+              <a:t>ジャンル分けをすることで観光地の特徴に合わせて</a:t>
+            </a:r>
+            <a:r>
+              <a:rPr kumimoji="1" lang="en-US" altLang="ja-JP" sz="3200" dirty="0" smtClean="0"/>
+              <a:t>BGM</a:t>
+            </a:r>
+            <a:r>
+              <a:rPr kumimoji="1" lang="ja-JP" altLang="en-US" sz="3200" dirty="0" smtClean="0"/>
+              <a:t>を設定することで、より観光地をイメージしやすくしたい。</a:t>
+            </a:r>
+            <a:endParaRPr kumimoji="1" lang="en-US" altLang="ja-JP" sz="3200" dirty="0" smtClean="0"/>
+          </a:p>
+        </p:txBody>
+      </p:sp>
+      <p:sp>
+        <p:nvSpPr>
+          <p:cNvPr id="4" name="スライド番号プレースホルダー 3"/>
+          <p:cNvSpPr>
+            <a:spLocks noGrp="1"/>
+          </p:cNvSpPr>
+          <p:nvPr>
+            <p:ph type="sldNum" sz="quarter" idx="12"/>
+          </p:nvPr>
+        </p:nvSpPr>
+        <p:spPr/>
+        <p:txBody>
+          <a:bodyPr/>
+          <a:lstStyle/>
+          <a:p>
+            <a:fld id="{5BD3F0FA-6004-41A1-8B41-907EE258FC72}" type="slidenum">
+              <a:rPr kumimoji="1" lang="ja-JP" altLang="en-US" smtClean="0"/>
+              <a:t>2</a:t>
+            </a:fld>
+            <a:endParaRPr kumimoji="1" lang="ja-JP" altLang="en-US"/>
           </a:p>
         </p:txBody>
       </p:sp>
     </p:spTree>
     <p:extLst>
       <p:ext uri="{BB962C8B-B14F-4D97-AF65-F5344CB8AC3E}">
-        <p14:creationId xmlns:p14="http://schemas.microsoft.com/office/powerpoint/2010/main" val="2365286573"/>
+        <p14:creationId xmlns:p14="http://schemas.microsoft.com/office/powerpoint/2010/main" val="2948312373"/>
       </p:ext>
     </p:extLst>
   </p:cSld>
   <p:clrMapOvr>
     <a:masterClrMapping/>
   </p:clrMapOvr>
+  <p:timing>
+    <p:tnLst>
+      <p:par>
+        <p:cTn id="1" dur="indefinite" restart="never" nodeType="tmRoot"/>
+      </p:par>
+    </p:tnLst>
+  </p:timing>
 </p:sld>
 </file>
 
@@ -3573,19 +4024,7 @@
           <a:p>
             <a:r>
               <a:rPr kumimoji="1" lang="ja-JP" altLang="en-US" dirty="0" smtClean="0"/>
-              <a:t>～</a:t>
-            </a:r>
-            <a:r>
-              <a:rPr kumimoji="1" lang="en-US" altLang="ja-JP" dirty="0" smtClean="0"/>
-              <a:t>7/2</a:t>
-            </a:r>
-            <a:r>
-              <a:rPr lang="ja-JP" altLang="en-US" dirty="0" smtClean="0"/>
-              <a:t>の</a:t>
-            </a:r>
-            <a:r>
-              <a:rPr lang="ja-JP" altLang="en-US" dirty="0"/>
-              <a:t>作業</a:t>
+              <a:t>研究課題</a:t>
             </a:r>
             <a:endParaRPr kumimoji="1" lang="ja-JP" altLang="en-US" dirty="0"/>
           </a:p>
@@ -3608,35 +4047,95 @@
           </a:bodyPr>
           <a:lstStyle/>
           <a:p>
+            <a:r>
+              <a:rPr lang="ja-JP" altLang="en-US" sz="3200" dirty="0" smtClean="0"/>
+              <a:t>現在ではアップロード</a:t>
+            </a:r>
+            <a:r>
+              <a:rPr lang="ja-JP" altLang="en-US" sz="3200" dirty="0"/>
+              <a:t>される音楽データが大量な</a:t>
+            </a:r>
+            <a:r>
+              <a:rPr lang="ja-JP" altLang="en-US" sz="3200" dirty="0" smtClean="0"/>
+              <a:t>ため、その大量の音楽</a:t>
+            </a:r>
+            <a:r>
+              <a:rPr lang="ja-JP" altLang="en-US" sz="3200" dirty="0"/>
+              <a:t>データを高速</a:t>
+            </a:r>
+            <a:r>
+              <a:rPr lang="ja-JP" altLang="en-US" sz="3200" dirty="0" smtClean="0"/>
+              <a:t>に</a:t>
+            </a:r>
+            <a:r>
+              <a:rPr lang="ja-JP" altLang="en-US" sz="3200" dirty="0"/>
+              <a:t>処理する必要が出てきた</a:t>
+            </a:r>
+            <a:r>
+              <a:rPr lang="ja-JP" altLang="en-US" sz="3200" dirty="0" smtClean="0"/>
+              <a:t>。</a:t>
+            </a:r>
+            <a:endParaRPr lang="en-US" altLang="ja-JP" sz="3200" dirty="0" smtClean="0"/>
+          </a:p>
+          <a:p>
+            <a:r>
+              <a:rPr lang="en-US" altLang="ja-JP" sz="3200" dirty="0" smtClean="0"/>
+              <a:t>1</a:t>
+            </a:r>
+            <a:r>
+              <a:rPr lang="ja-JP" altLang="en-US" sz="3200" dirty="0" smtClean="0"/>
+              <a:t>台のみで処理する場合、処理する速度にも限界があるため処理を複数台に分けることでさらに高速化を目指す必要がある。</a:t>
+            </a:r>
+            <a:endParaRPr lang="en-US" altLang="ja-JP" sz="3200" dirty="0"/>
+          </a:p>
+          <a:p>
             <a:pPr marL="0" indent="0">
               <a:buNone/>
             </a:pPr>
-            <a:r>
-              <a:rPr lang="ja-JP" altLang="en-US" sz="3200" dirty="0" smtClean="0"/>
-              <a:t>・</a:t>
-            </a:r>
-            <a:r>
-              <a:rPr lang="ja-JP" altLang="en-US" sz="3200" dirty="0" smtClean="0"/>
-              <a:t>音声データからスペクトログラムを作成するプログラムの</a:t>
-            </a:r>
-            <a:r>
-              <a:rPr lang="ja-JP" altLang="en-US" sz="3200" dirty="0" smtClean="0"/>
-              <a:t>作成</a:t>
-            </a:r>
             <a:endParaRPr kumimoji="1" lang="ja-JP" altLang="en-US" sz="3200" dirty="0"/>
+          </a:p>
+        </p:txBody>
+      </p:sp>
+      <p:sp>
+        <p:nvSpPr>
+          <p:cNvPr id="4" name="スライド番号プレースホルダー 3"/>
+          <p:cNvSpPr>
+            <a:spLocks noGrp="1"/>
+          </p:cNvSpPr>
+          <p:nvPr>
+            <p:ph type="sldNum" sz="quarter" idx="12"/>
+          </p:nvPr>
+        </p:nvSpPr>
+        <p:spPr/>
+        <p:txBody>
+          <a:bodyPr/>
+          <a:lstStyle/>
+          <a:p>
+            <a:fld id="{5BD3F0FA-6004-41A1-8B41-907EE258FC72}" type="slidenum">
+              <a:rPr kumimoji="1" lang="ja-JP" altLang="en-US" smtClean="0"/>
+              <a:t>3</a:t>
+            </a:fld>
+            <a:endParaRPr kumimoji="1" lang="ja-JP" altLang="en-US"/>
           </a:p>
         </p:txBody>
       </p:sp>
     </p:spTree>
     <p:extLst>
       <p:ext uri="{BB962C8B-B14F-4D97-AF65-F5344CB8AC3E}">
-        <p14:creationId xmlns:p14="http://schemas.microsoft.com/office/powerpoint/2010/main" val="3478697511"/>
+        <p14:creationId xmlns:p14="http://schemas.microsoft.com/office/powerpoint/2010/main" val="3125505655"/>
       </p:ext>
     </p:extLst>
   </p:cSld>
   <p:clrMapOvr>
     <a:masterClrMapping/>
   </p:clrMapOvr>
+  <p:timing>
+    <p:tnLst>
+      <p:par>
+        <p:cTn id="1" dur="indefinite" restart="never" nodeType="tmRoot"/>
+      </p:par>
+    </p:tnLst>
+  </p:timing>
 </p:sld>
 </file>
 
@@ -3673,78 +4172,94 @@
           <a:lstStyle/>
           <a:p>
             <a:r>
-              <a:rPr kumimoji="1" lang="ja-JP" altLang="en-US" dirty="0" smtClean="0"/>
-              <a:t>スペクトログラムとは</a:t>
+              <a:rPr lang="ja-JP" altLang="en-US" dirty="0"/>
+              <a:t>提案方式</a:t>
             </a:r>
             <a:endParaRPr kumimoji="1" lang="ja-JP" altLang="en-US" dirty="0"/>
           </a:p>
         </p:txBody>
       </p:sp>
-      <p:pic>
-        <p:nvPicPr>
-          <p:cNvPr id="4" name="コンテンツ プレースホルダー 3"/>
-          <p:cNvPicPr>
-            <a:picLocks noGrp="1" noChangeAspect="1"/>
-          </p:cNvPicPr>
+      <p:sp>
+        <p:nvSpPr>
+          <p:cNvPr id="3" name="コンテンツ プレースホルダー 2"/>
+          <p:cNvSpPr>
+            <a:spLocks noGrp="1"/>
+          </p:cNvSpPr>
           <p:nvPr>
             <p:ph idx="1"/>
           </p:nvPr>
-        </p:nvPicPr>
-        <p:blipFill rotWithShape="1">
-          <a:blip r:embed="rId2"/>
-          <a:srcRect l="24583" t="32567" r="16678" b="25209"/>
-          <a:stretch/>
-        </p:blipFill>
-        <p:spPr>
-          <a:xfrm>
-            <a:off x="5664199" y="1690688"/>
-            <a:ext cx="5433294" cy="2441045"/>
-          </a:xfrm>
-          <a:prstGeom prst="rect">
-            <a:avLst/>
-          </a:prstGeom>
-        </p:spPr>
-      </p:pic>
-      <p:sp>
-        <p:nvSpPr>
-          <p:cNvPr id="5" name="テキスト ボックス 4"/>
-          <p:cNvSpPr txBox="1"/>
-          <p:nvPr/>
-        </p:nvSpPr>
-        <p:spPr>
-          <a:xfrm>
-            <a:off x="838199" y="2133600"/>
-            <a:ext cx="4191001" cy="923330"/>
-          </a:xfrm>
-          <a:prstGeom prst="rect">
-            <a:avLst/>
-          </a:prstGeom>
-          <a:noFill/>
-        </p:spPr>
-        <p:txBody>
-          <a:bodyPr wrap="square" rtlCol="0">
-            <a:spAutoFit/>
+        </p:nvSpPr>
+        <p:spPr/>
+        <p:txBody>
+          <a:bodyPr>
+            <a:normAutofit/>
           </a:bodyPr>
           <a:lstStyle/>
           <a:p>
             <a:r>
-              <a:rPr kumimoji="1" lang="ja-JP" altLang="en-US" dirty="0" smtClean="0"/>
-              <a:t>右図の様な、どの時間にどの周波数の音が強く鳴っているかが表された図のこと。</a:t>
-            </a:r>
-            <a:endParaRPr kumimoji="1" lang="ja-JP" altLang="en-US" dirty="0"/>
+              <a:rPr kumimoji="1" lang="ja-JP" altLang="en-US" sz="3200" dirty="0" smtClean="0"/>
+              <a:t>ラウンドロビン方式を採用すること</a:t>
+            </a:r>
+            <a:r>
+              <a:rPr lang="ja-JP" altLang="en-US" sz="3200" dirty="0"/>
+              <a:t>で</a:t>
+            </a:r>
+            <a:r>
+              <a:rPr kumimoji="1" lang="ja-JP" altLang="en-US" sz="3200" dirty="0" smtClean="0"/>
+              <a:t>、いくつかのサーバーに処理を</a:t>
+            </a:r>
+            <a:r>
+              <a:rPr lang="ja-JP" altLang="en-US" sz="3200" dirty="0" smtClean="0"/>
+              <a:t>割り振ること</a:t>
+            </a:r>
+            <a:r>
+              <a:rPr kumimoji="1" lang="ja-JP" altLang="en-US" sz="3200" dirty="0" smtClean="0"/>
+              <a:t>で高速化を実現する。</a:t>
+            </a:r>
+            <a:endParaRPr kumimoji="1" lang="ja-JP" altLang="en-US" sz="3200" dirty="0"/>
+          </a:p>
+        </p:txBody>
+      </p:sp>
+      <p:sp>
+        <p:nvSpPr>
+          <p:cNvPr id="4" name="スライド番号プレースホルダー 3"/>
+          <p:cNvSpPr>
+            <a:spLocks noGrp="1"/>
+          </p:cNvSpPr>
+          <p:nvPr>
+            <p:ph type="sldNum" sz="quarter" idx="12"/>
+          </p:nvPr>
+        </p:nvSpPr>
+        <p:spPr/>
+        <p:txBody>
+          <a:bodyPr/>
+          <a:lstStyle/>
+          <a:p>
+            <a:fld id="{5BD3F0FA-6004-41A1-8B41-907EE258FC72}" type="slidenum">
+              <a:rPr kumimoji="1" lang="ja-JP" altLang="en-US" smtClean="0"/>
+              <a:t>4</a:t>
+            </a:fld>
+            <a:endParaRPr kumimoji="1" lang="ja-JP" altLang="en-US"/>
           </a:p>
         </p:txBody>
       </p:sp>
     </p:spTree>
     <p:extLst>
       <p:ext uri="{BB962C8B-B14F-4D97-AF65-F5344CB8AC3E}">
-        <p14:creationId xmlns:p14="http://schemas.microsoft.com/office/powerpoint/2010/main" val="3285687626"/>
+        <p14:creationId xmlns:p14="http://schemas.microsoft.com/office/powerpoint/2010/main" val="1240307247"/>
       </p:ext>
     </p:extLst>
   </p:cSld>
   <p:clrMapOvr>
     <a:masterClrMapping/>
   </p:clrMapOvr>
+  <p:timing>
+    <p:tnLst>
+      <p:par>
+        <p:cTn id="1" dur="indefinite" restart="never" nodeType="tmRoot"/>
+      </p:par>
+    </p:tnLst>
+  </p:timing>
 </p:sld>
 </file>
 
@@ -3782,256 +4297,6 @@
           <a:p>
             <a:r>
               <a:rPr kumimoji="1" lang="ja-JP" altLang="en-US" dirty="0" smtClean="0"/>
-              <a:t>研究背景</a:t>
-            </a:r>
-            <a:endParaRPr kumimoji="1" lang="ja-JP" altLang="en-US" dirty="0"/>
-          </a:p>
-        </p:txBody>
-      </p:sp>
-      <p:sp>
-        <p:nvSpPr>
-          <p:cNvPr id="3" name="コンテンツ プレースホルダー 2"/>
-          <p:cNvSpPr>
-            <a:spLocks noGrp="1"/>
-          </p:cNvSpPr>
-          <p:nvPr>
-            <p:ph idx="1"/>
-          </p:nvPr>
-        </p:nvSpPr>
-        <p:spPr/>
-        <p:txBody>
-          <a:bodyPr>
-            <a:normAutofit/>
-          </a:bodyPr>
-          <a:lstStyle/>
-          <a:p>
-            <a:r>
-              <a:rPr kumimoji="1" lang="ja-JP" altLang="en-US" sz="3200" dirty="0" smtClean="0"/>
-              <a:t>近年では音楽データがインターネット上にアップロードされている。その音楽データのジャンル分けをしたい。</a:t>
-            </a:r>
-            <a:endParaRPr kumimoji="1" lang="en-US" altLang="ja-JP" sz="3200" dirty="0" smtClean="0"/>
-          </a:p>
-        </p:txBody>
-      </p:sp>
-    </p:spTree>
-    <p:extLst>
-      <p:ext uri="{BB962C8B-B14F-4D97-AF65-F5344CB8AC3E}">
-        <p14:creationId xmlns:p14="http://schemas.microsoft.com/office/powerpoint/2010/main" val="2948312373"/>
-      </p:ext>
-    </p:extLst>
-  </p:cSld>
-  <p:clrMapOvr>
-    <a:masterClrMapping/>
-  </p:clrMapOvr>
-</p:sld>
-</file>
-
-<file path=ppt/slides/slide6.xml><?xml version="1.0" encoding="utf-8"?>
-<p:sld xmlns:a="http://schemas.openxmlformats.org/drawingml/2006/main" xmlns:r="http://schemas.openxmlformats.org/officeDocument/2006/relationships" xmlns:p="http://schemas.openxmlformats.org/presentationml/2006/main">
-  <p:cSld>
-    <p:spTree>
-      <p:nvGrpSpPr>
-        <p:cNvPr id="1" name=""/>
-        <p:cNvGrpSpPr/>
-        <p:nvPr/>
-      </p:nvGrpSpPr>
-      <p:grpSpPr>
-        <a:xfrm>
-          <a:off x="0" y="0"/>
-          <a:ext cx="0" cy="0"/>
-          <a:chOff x="0" y="0"/>
-          <a:chExt cx="0" cy="0"/>
-        </a:xfrm>
-      </p:grpSpPr>
-      <p:sp>
-        <p:nvSpPr>
-          <p:cNvPr id="2" name="タイトル 1"/>
-          <p:cNvSpPr>
-            <a:spLocks noGrp="1"/>
-          </p:cNvSpPr>
-          <p:nvPr>
-            <p:ph type="title"/>
-          </p:nvPr>
-        </p:nvSpPr>
-        <p:spPr/>
-        <p:txBody>
-          <a:bodyPr/>
-          <a:lstStyle/>
-          <a:p>
-            <a:r>
-              <a:rPr kumimoji="1" lang="ja-JP" altLang="en-US" dirty="0" smtClean="0"/>
-              <a:t>研究課題</a:t>
-            </a:r>
-            <a:endParaRPr kumimoji="1" lang="ja-JP" altLang="en-US" dirty="0"/>
-          </a:p>
-        </p:txBody>
-      </p:sp>
-      <p:sp>
-        <p:nvSpPr>
-          <p:cNvPr id="3" name="コンテンツ プレースホルダー 2"/>
-          <p:cNvSpPr>
-            <a:spLocks noGrp="1"/>
-          </p:cNvSpPr>
-          <p:nvPr>
-            <p:ph idx="1"/>
-          </p:nvPr>
-        </p:nvSpPr>
-        <p:spPr/>
-        <p:txBody>
-          <a:bodyPr>
-            <a:normAutofit/>
-          </a:bodyPr>
-          <a:lstStyle/>
-          <a:p>
-            <a:r>
-              <a:rPr lang="ja-JP" altLang="en-US" sz="3200" dirty="0" smtClean="0"/>
-              <a:t>現在ではアップロード</a:t>
-            </a:r>
-            <a:r>
-              <a:rPr lang="ja-JP" altLang="en-US" sz="3200" dirty="0"/>
-              <a:t>される音楽データが大量な</a:t>
-            </a:r>
-            <a:r>
-              <a:rPr lang="ja-JP" altLang="en-US" sz="3200" dirty="0" smtClean="0"/>
-              <a:t>ため、その音楽</a:t>
-            </a:r>
-            <a:r>
-              <a:rPr lang="ja-JP" altLang="en-US" sz="3200" dirty="0"/>
-              <a:t>データを高速にジャンル分けする必要がある。</a:t>
-            </a:r>
-            <a:endParaRPr lang="en-US" altLang="ja-JP" sz="3200" dirty="0"/>
-          </a:p>
-          <a:p>
-            <a:pPr marL="0" indent="0">
-              <a:buNone/>
-            </a:pPr>
-            <a:endParaRPr kumimoji="1" lang="ja-JP" altLang="en-US" sz="3200" dirty="0"/>
-          </a:p>
-        </p:txBody>
-      </p:sp>
-    </p:spTree>
-    <p:extLst>
-      <p:ext uri="{BB962C8B-B14F-4D97-AF65-F5344CB8AC3E}">
-        <p14:creationId xmlns:p14="http://schemas.microsoft.com/office/powerpoint/2010/main" val="3125505655"/>
-      </p:ext>
-    </p:extLst>
-  </p:cSld>
-  <p:clrMapOvr>
-    <a:masterClrMapping/>
-  </p:clrMapOvr>
-</p:sld>
-</file>
-
-<file path=ppt/slides/slide7.xml><?xml version="1.0" encoding="utf-8"?>
-<p:sld xmlns:a="http://schemas.openxmlformats.org/drawingml/2006/main" xmlns:r="http://schemas.openxmlformats.org/officeDocument/2006/relationships" xmlns:p="http://schemas.openxmlformats.org/presentationml/2006/main">
-  <p:cSld>
-    <p:spTree>
-      <p:nvGrpSpPr>
-        <p:cNvPr id="1" name=""/>
-        <p:cNvGrpSpPr/>
-        <p:nvPr/>
-      </p:nvGrpSpPr>
-      <p:grpSpPr>
-        <a:xfrm>
-          <a:off x="0" y="0"/>
-          <a:ext cx="0" cy="0"/>
-          <a:chOff x="0" y="0"/>
-          <a:chExt cx="0" cy="0"/>
-        </a:xfrm>
-      </p:grpSpPr>
-      <p:sp>
-        <p:nvSpPr>
-          <p:cNvPr id="2" name="タイトル 1"/>
-          <p:cNvSpPr>
-            <a:spLocks noGrp="1"/>
-          </p:cNvSpPr>
-          <p:nvPr>
-            <p:ph type="title"/>
-          </p:nvPr>
-        </p:nvSpPr>
-        <p:spPr/>
-        <p:txBody>
-          <a:bodyPr/>
-          <a:lstStyle/>
-          <a:p>
-            <a:r>
-              <a:rPr lang="ja-JP" altLang="en-US" dirty="0"/>
-              <a:t>提案方式</a:t>
-            </a:r>
-            <a:endParaRPr kumimoji="1" lang="ja-JP" altLang="en-US" dirty="0"/>
-          </a:p>
-        </p:txBody>
-      </p:sp>
-      <p:sp>
-        <p:nvSpPr>
-          <p:cNvPr id="3" name="コンテンツ プレースホルダー 2"/>
-          <p:cNvSpPr>
-            <a:spLocks noGrp="1"/>
-          </p:cNvSpPr>
-          <p:nvPr>
-            <p:ph idx="1"/>
-          </p:nvPr>
-        </p:nvSpPr>
-        <p:spPr/>
-        <p:txBody>
-          <a:bodyPr/>
-          <a:lstStyle/>
-          <a:p>
-            <a:r>
-              <a:rPr kumimoji="1" lang="ja-JP" altLang="en-US" dirty="0" smtClean="0"/>
-              <a:t>ラウンドロビン方式を採用し、いくつかのサーバーで処理を行うことで高速化を実現する。</a:t>
-            </a:r>
-            <a:endParaRPr kumimoji="1" lang="ja-JP" altLang="en-US" dirty="0"/>
-          </a:p>
-        </p:txBody>
-      </p:sp>
-    </p:spTree>
-    <p:extLst>
-      <p:ext uri="{BB962C8B-B14F-4D97-AF65-F5344CB8AC3E}">
-        <p14:creationId xmlns:p14="http://schemas.microsoft.com/office/powerpoint/2010/main" val="1240307247"/>
-      </p:ext>
-    </p:extLst>
-  </p:cSld>
-  <p:clrMapOvr>
-    <a:masterClrMapping/>
-  </p:clrMapOvr>
-</p:sld>
-</file>
-
-<file path=ppt/slides/slide8.xml><?xml version="1.0" encoding="utf-8"?>
-<p:sld xmlns:a="http://schemas.openxmlformats.org/drawingml/2006/main" xmlns:r="http://schemas.openxmlformats.org/officeDocument/2006/relationships" xmlns:p="http://schemas.openxmlformats.org/presentationml/2006/main">
-  <p:cSld>
-    <p:spTree>
-      <p:nvGrpSpPr>
-        <p:cNvPr id="1" name=""/>
-        <p:cNvGrpSpPr/>
-        <p:nvPr/>
-      </p:nvGrpSpPr>
-      <p:grpSpPr>
-        <a:xfrm>
-          <a:off x="0" y="0"/>
-          <a:ext cx="0" cy="0"/>
-          <a:chOff x="0" y="0"/>
-          <a:chExt cx="0" cy="0"/>
-        </a:xfrm>
-      </p:grpSpPr>
-      <p:sp>
-        <p:nvSpPr>
-          <p:cNvPr id="2" name="タイトル 1"/>
-          <p:cNvSpPr>
-            <a:spLocks noGrp="1"/>
-          </p:cNvSpPr>
-          <p:nvPr>
-            <p:ph type="title"/>
-          </p:nvPr>
-        </p:nvSpPr>
-        <p:spPr/>
-        <p:txBody>
-          <a:bodyPr/>
-          <a:lstStyle/>
-          <a:p>
-            <a:r>
-              <a:rPr kumimoji="1" lang="ja-JP" altLang="en-US" dirty="0" smtClean="0"/>
               <a:t>ラウンドロビンとは</a:t>
             </a:r>
             <a:endParaRPr kumimoji="1" lang="ja-JP" altLang="en-US" dirty="0"/>
@@ -4129,6 +4394,29 @@
               <a:t>→ラウンドロビン方式</a:t>
             </a:r>
             <a:endParaRPr kumimoji="1" lang="ja-JP" altLang="en-US" dirty="0"/>
+          </a:p>
+        </p:txBody>
+      </p:sp>
+      <p:sp>
+        <p:nvSpPr>
+          <p:cNvPr id="4" name="スライド番号プレースホルダー 3"/>
+          <p:cNvSpPr>
+            <a:spLocks noGrp="1"/>
+          </p:cNvSpPr>
+          <p:nvPr>
+            <p:ph type="sldNum" sz="quarter" idx="12"/>
+          </p:nvPr>
+        </p:nvSpPr>
+        <p:spPr/>
+        <p:txBody>
+          <a:bodyPr/>
+          <a:lstStyle/>
+          <a:p>
+            <a:fld id="{5BD3F0FA-6004-41A1-8B41-907EE258FC72}" type="slidenum">
+              <a:rPr kumimoji="1" lang="ja-JP" altLang="en-US" smtClean="0"/>
+              <a:t>5</a:t>
+            </a:fld>
+            <a:endParaRPr kumimoji="1" lang="ja-JP" altLang="en-US"/>
           </a:p>
         </p:txBody>
       </p:sp>
@@ -4145,7 +4433,7 @@
 </p:sld>
 </file>
 
-<file path=ppt/slides/slide9.xml><?xml version="1.0" encoding="utf-8"?>
+<file path=ppt/slides/slide6.xml><?xml version="1.0" encoding="utf-8"?>
 <p:sld xmlns:a="http://schemas.openxmlformats.org/drawingml/2006/main" xmlns:r="http://schemas.openxmlformats.org/officeDocument/2006/relationships" xmlns:p="http://schemas.openxmlformats.org/presentationml/2006/main">
   <p:cSld>
     <p:spTree>
@@ -4427,7 +4715,7 @@
           <a:p>
             <a:fld id="{82B0F181-4DAC-4AF6-AAF0-BC662F10B70B}" type="slidenum">
               <a:rPr kumimoji="1" lang="ja-JP" altLang="en-US" smtClean="0"/>
-              <a:t>9</a:t>
+              <a:t>6</a:t>
             </a:fld>
             <a:endParaRPr kumimoji="1" lang="ja-JP" altLang="en-US"/>
           </a:p>
@@ -5086,6 +5374,475 @@
   <p:clrMapOvr>
     <a:masterClrMapping/>
   </p:clrMapOvr>
+  <p:timing>
+    <p:tnLst>
+      <p:par>
+        <p:cTn id="1" dur="indefinite" restart="never" nodeType="tmRoot"/>
+      </p:par>
+    </p:tnLst>
+  </p:timing>
+</p:sld>
+</file>
+
+<file path=ppt/slides/slide7.xml><?xml version="1.0" encoding="utf-8"?>
+<p:sld xmlns:a="http://schemas.openxmlformats.org/drawingml/2006/main" xmlns:r="http://schemas.openxmlformats.org/officeDocument/2006/relationships" xmlns:p="http://schemas.openxmlformats.org/presentationml/2006/main">
+  <p:cSld>
+    <p:spTree>
+      <p:nvGrpSpPr>
+        <p:cNvPr id="1" name=""/>
+        <p:cNvGrpSpPr/>
+        <p:nvPr/>
+      </p:nvGrpSpPr>
+      <p:grpSpPr>
+        <a:xfrm>
+          <a:off x="0" y="0"/>
+          <a:ext cx="0" cy="0"/>
+          <a:chOff x="0" y="0"/>
+          <a:chExt cx="0" cy="0"/>
+        </a:xfrm>
+      </p:grpSpPr>
+      <p:sp>
+        <p:nvSpPr>
+          <p:cNvPr id="2" name="タイトル 1"/>
+          <p:cNvSpPr>
+            <a:spLocks noGrp="1"/>
+          </p:cNvSpPr>
+          <p:nvPr>
+            <p:ph type="title"/>
+          </p:nvPr>
+        </p:nvSpPr>
+        <p:spPr/>
+        <p:txBody>
+          <a:bodyPr/>
+          <a:lstStyle/>
+          <a:p>
+            <a:r>
+              <a:rPr kumimoji="1" lang="ja-JP" altLang="en-US" dirty="0" smtClean="0"/>
+              <a:t>ラウンドロビン方式を採用した理由</a:t>
+            </a:r>
+            <a:r>
+              <a:rPr kumimoji="1" lang="en-US" altLang="ja-JP" dirty="0" smtClean="0"/>
+              <a:t>	</a:t>
+            </a:r>
+            <a:endParaRPr kumimoji="1" lang="ja-JP" altLang="en-US" dirty="0"/>
+          </a:p>
+        </p:txBody>
+      </p:sp>
+      <p:sp>
+        <p:nvSpPr>
+          <p:cNvPr id="3" name="コンテンツ プレースホルダー 2"/>
+          <p:cNvSpPr>
+            <a:spLocks noGrp="1"/>
+          </p:cNvSpPr>
+          <p:nvPr>
+            <p:ph idx="1"/>
+          </p:nvPr>
+        </p:nvSpPr>
+        <p:spPr/>
+        <p:txBody>
+          <a:bodyPr>
+            <a:normAutofit/>
+          </a:bodyPr>
+          <a:lstStyle/>
+          <a:p>
+            <a:pPr marL="0" indent="0">
+              <a:buNone/>
+            </a:pPr>
+            <a:r>
+              <a:rPr kumimoji="1" lang="ja-JP" altLang="en-US" sz="3200" dirty="0" smtClean="0"/>
+              <a:t>ラウンドロビン方式は負荷分散と比べると負荷分散専用機を必要としないため今回採用した。</a:t>
+            </a:r>
+            <a:endParaRPr kumimoji="1" lang="ja-JP" altLang="en-US" sz="3200" dirty="0"/>
+          </a:p>
+        </p:txBody>
+      </p:sp>
+      <p:sp>
+        <p:nvSpPr>
+          <p:cNvPr id="4" name="スライド番号プレースホルダー 3"/>
+          <p:cNvSpPr>
+            <a:spLocks noGrp="1"/>
+          </p:cNvSpPr>
+          <p:nvPr>
+            <p:ph type="sldNum" sz="quarter" idx="12"/>
+          </p:nvPr>
+        </p:nvSpPr>
+        <p:spPr/>
+        <p:txBody>
+          <a:bodyPr/>
+          <a:lstStyle/>
+          <a:p>
+            <a:fld id="{5BD3F0FA-6004-41A1-8B41-907EE258FC72}" type="slidenum">
+              <a:rPr kumimoji="1" lang="ja-JP" altLang="en-US" smtClean="0"/>
+              <a:t>7</a:t>
+            </a:fld>
+            <a:endParaRPr kumimoji="1" lang="ja-JP" altLang="en-US"/>
+          </a:p>
+        </p:txBody>
+      </p:sp>
+    </p:spTree>
+    <p:extLst>
+      <p:ext uri="{BB962C8B-B14F-4D97-AF65-F5344CB8AC3E}">
+        <p14:creationId xmlns:p14="http://schemas.microsoft.com/office/powerpoint/2010/main" val="2333782337"/>
+      </p:ext>
+    </p:extLst>
+  </p:cSld>
+  <p:clrMapOvr>
+    <a:masterClrMapping/>
+  </p:clrMapOvr>
+  <p:timing>
+    <p:tnLst>
+      <p:par>
+        <p:cTn id="1" dur="indefinite" restart="never" nodeType="tmRoot"/>
+      </p:par>
+    </p:tnLst>
+  </p:timing>
+</p:sld>
+</file>
+
+<file path=ppt/slides/slide8.xml><?xml version="1.0" encoding="utf-8"?>
+<p:sld xmlns:a="http://schemas.openxmlformats.org/drawingml/2006/main" xmlns:r="http://schemas.openxmlformats.org/officeDocument/2006/relationships" xmlns:p="http://schemas.openxmlformats.org/presentationml/2006/main">
+  <p:cSld>
+    <p:spTree>
+      <p:nvGrpSpPr>
+        <p:cNvPr id="1" name=""/>
+        <p:cNvGrpSpPr/>
+        <p:nvPr/>
+      </p:nvGrpSpPr>
+      <p:grpSpPr>
+        <a:xfrm>
+          <a:off x="0" y="0"/>
+          <a:ext cx="0" cy="0"/>
+          <a:chOff x="0" y="0"/>
+          <a:chExt cx="0" cy="0"/>
+        </a:xfrm>
+      </p:grpSpPr>
+      <p:sp>
+        <p:nvSpPr>
+          <p:cNvPr id="2" name="タイトル 1"/>
+          <p:cNvSpPr>
+            <a:spLocks noGrp="1"/>
+          </p:cNvSpPr>
+          <p:nvPr>
+            <p:ph type="title"/>
+          </p:nvPr>
+        </p:nvSpPr>
+        <p:spPr/>
+        <p:txBody>
+          <a:bodyPr/>
+          <a:lstStyle/>
+          <a:p>
+            <a:r>
+              <a:rPr kumimoji="1" lang="ja-JP" altLang="en-US" dirty="0" smtClean="0"/>
+              <a:t>スペクトログラムとは</a:t>
+            </a:r>
+            <a:endParaRPr kumimoji="1" lang="ja-JP" altLang="en-US" dirty="0"/>
+          </a:p>
+        </p:txBody>
+      </p:sp>
+      <p:pic>
+        <p:nvPicPr>
+          <p:cNvPr id="4" name="コンテンツ プレースホルダー 3"/>
+          <p:cNvPicPr>
+            <a:picLocks noGrp="1" noChangeAspect="1"/>
+          </p:cNvPicPr>
+          <p:nvPr>
+            <p:ph idx="1"/>
+          </p:nvPr>
+        </p:nvPicPr>
+        <p:blipFill rotWithShape="1">
+          <a:blip r:embed="rId2"/>
+          <a:srcRect l="24583" t="32567" r="16678" b="25209"/>
+          <a:stretch/>
+        </p:blipFill>
+        <p:spPr>
+          <a:xfrm>
+            <a:off x="5223934" y="1910821"/>
+            <a:ext cx="6205947" cy="2788179"/>
+          </a:xfrm>
+          <a:prstGeom prst="rect">
+            <a:avLst/>
+          </a:prstGeom>
+        </p:spPr>
+      </p:pic>
+      <p:sp>
+        <p:nvSpPr>
+          <p:cNvPr id="5" name="テキスト ボックス 4"/>
+          <p:cNvSpPr txBox="1"/>
+          <p:nvPr/>
+        </p:nvSpPr>
+        <p:spPr>
+          <a:xfrm>
+            <a:off x="838199" y="2133600"/>
+            <a:ext cx="4191001" cy="923330"/>
+          </a:xfrm>
+          <a:prstGeom prst="rect">
+            <a:avLst/>
+          </a:prstGeom>
+          <a:noFill/>
+        </p:spPr>
+        <p:txBody>
+          <a:bodyPr wrap="square" rtlCol="0">
+            <a:spAutoFit/>
+          </a:bodyPr>
+          <a:lstStyle/>
+          <a:p>
+            <a:r>
+              <a:rPr kumimoji="1" lang="ja-JP" altLang="en-US" dirty="0" smtClean="0"/>
+              <a:t>右図の様な、どの時間にどの周波数の音が強く鳴っているかが表された図のこと。</a:t>
+            </a:r>
+            <a:endParaRPr kumimoji="1" lang="ja-JP" altLang="en-US" dirty="0"/>
+          </a:p>
+        </p:txBody>
+      </p:sp>
+      <p:sp>
+        <p:nvSpPr>
+          <p:cNvPr id="6" name="スライド番号プレースホルダー 5"/>
+          <p:cNvSpPr>
+            <a:spLocks noGrp="1"/>
+          </p:cNvSpPr>
+          <p:nvPr>
+            <p:ph type="sldNum" sz="quarter" idx="12"/>
+          </p:nvPr>
+        </p:nvSpPr>
+        <p:spPr/>
+        <p:txBody>
+          <a:bodyPr/>
+          <a:lstStyle/>
+          <a:p>
+            <a:fld id="{5BD3F0FA-6004-41A1-8B41-907EE258FC72}" type="slidenum">
+              <a:rPr kumimoji="1" lang="ja-JP" altLang="en-US" smtClean="0"/>
+              <a:t>8</a:t>
+            </a:fld>
+            <a:endParaRPr kumimoji="1" lang="ja-JP" altLang="en-US"/>
+          </a:p>
+        </p:txBody>
+      </p:sp>
+    </p:spTree>
+    <p:extLst>
+      <p:ext uri="{BB962C8B-B14F-4D97-AF65-F5344CB8AC3E}">
+        <p14:creationId xmlns:p14="http://schemas.microsoft.com/office/powerpoint/2010/main" val="3285687626"/>
+      </p:ext>
+    </p:extLst>
+  </p:cSld>
+  <p:clrMapOvr>
+    <a:masterClrMapping/>
+  </p:clrMapOvr>
+  <p:timing>
+    <p:tnLst>
+      <p:par>
+        <p:cTn id="1" dur="indefinite" restart="never" nodeType="tmRoot"/>
+      </p:par>
+    </p:tnLst>
+  </p:timing>
+</p:sld>
+</file>
+
+<file path=ppt/slides/slide9.xml><?xml version="1.0" encoding="utf-8"?>
+<p:sld xmlns:a="http://schemas.openxmlformats.org/drawingml/2006/main" xmlns:r="http://schemas.openxmlformats.org/officeDocument/2006/relationships" xmlns:p="http://schemas.openxmlformats.org/presentationml/2006/main">
+  <p:cSld>
+    <p:spTree>
+      <p:nvGrpSpPr>
+        <p:cNvPr id="1" name=""/>
+        <p:cNvGrpSpPr/>
+        <p:nvPr/>
+      </p:nvGrpSpPr>
+      <p:grpSpPr>
+        <a:xfrm>
+          <a:off x="0" y="0"/>
+          <a:ext cx="0" cy="0"/>
+          <a:chOff x="0" y="0"/>
+          <a:chExt cx="0" cy="0"/>
+        </a:xfrm>
+      </p:grpSpPr>
+      <p:pic>
+        <p:nvPicPr>
+          <p:cNvPr id="5" name="コンテンツ プレースホルダー 4"/>
+          <p:cNvPicPr>
+            <a:picLocks noGrp="1" noChangeAspect="1"/>
+          </p:cNvPicPr>
+          <p:nvPr>
+            <p:ph idx="1"/>
+          </p:nvPr>
+        </p:nvPicPr>
+        <p:blipFill>
+          <a:blip r:embed="rId2">
+            <a:extLst>
+              <a:ext uri="{28A0092B-C50C-407E-A947-70E740481C1C}">
+                <a14:useLocalDpi xmlns:a14="http://schemas.microsoft.com/office/drawing/2010/main" val="0"/>
+              </a:ext>
+            </a:extLst>
+          </a:blip>
+          <a:stretch>
+            <a:fillRect/>
+          </a:stretch>
+        </p:blipFill>
+        <p:spPr>
+          <a:xfrm>
+            <a:off x="246530" y="1465515"/>
+            <a:ext cx="5391876" cy="1929618"/>
+          </a:xfrm>
+        </p:spPr>
+      </p:pic>
+      <p:sp>
+        <p:nvSpPr>
+          <p:cNvPr id="4" name="スライド番号プレースホルダー 3"/>
+          <p:cNvSpPr>
+            <a:spLocks noGrp="1"/>
+          </p:cNvSpPr>
+          <p:nvPr>
+            <p:ph type="sldNum" sz="quarter" idx="12"/>
+          </p:nvPr>
+        </p:nvSpPr>
+        <p:spPr/>
+        <p:txBody>
+          <a:bodyPr/>
+          <a:lstStyle/>
+          <a:p>
+            <a:fld id="{5BD3F0FA-6004-41A1-8B41-907EE258FC72}" type="slidenum">
+              <a:rPr kumimoji="1" lang="ja-JP" altLang="en-US" smtClean="0"/>
+              <a:t>9</a:t>
+            </a:fld>
+            <a:endParaRPr kumimoji="1" lang="ja-JP" altLang="en-US"/>
+          </a:p>
+        </p:txBody>
+      </p:sp>
+      <p:pic>
+        <p:nvPicPr>
+          <p:cNvPr id="6" name="図 5"/>
+          <p:cNvPicPr>
+            <a:picLocks noChangeAspect="1"/>
+          </p:cNvPicPr>
+          <p:nvPr/>
+        </p:nvPicPr>
+        <p:blipFill>
+          <a:blip r:embed="rId3">
+            <a:extLst>
+              <a:ext uri="{28A0092B-C50C-407E-A947-70E740481C1C}">
+                <a14:useLocalDpi xmlns:a14="http://schemas.microsoft.com/office/drawing/2010/main" val="0"/>
+              </a:ext>
+            </a:extLst>
+          </a:blip>
+          <a:stretch>
+            <a:fillRect/>
+          </a:stretch>
+        </p:blipFill>
+        <p:spPr>
+          <a:xfrm>
+            <a:off x="5961923" y="1465515"/>
+            <a:ext cx="5391877" cy="1929618"/>
+          </a:xfrm>
+          <a:prstGeom prst="rect">
+            <a:avLst/>
+          </a:prstGeom>
+        </p:spPr>
+      </p:pic>
+      <p:pic>
+        <p:nvPicPr>
+          <p:cNvPr id="8" name="図 7"/>
+          <p:cNvPicPr>
+            <a:picLocks noChangeAspect="1"/>
+          </p:cNvPicPr>
+          <p:nvPr/>
+        </p:nvPicPr>
+        <p:blipFill>
+          <a:blip r:embed="rId4">
+            <a:extLst>
+              <a:ext uri="{28A0092B-C50C-407E-A947-70E740481C1C}">
+                <a14:useLocalDpi xmlns:a14="http://schemas.microsoft.com/office/drawing/2010/main" val="0"/>
+              </a:ext>
+            </a:extLst>
+          </a:blip>
+          <a:stretch>
+            <a:fillRect/>
+          </a:stretch>
+        </p:blipFill>
+        <p:spPr>
+          <a:xfrm>
+            <a:off x="246530" y="3817999"/>
+            <a:ext cx="5395680" cy="2438868"/>
+          </a:xfrm>
+          <a:prstGeom prst="rect">
+            <a:avLst/>
+          </a:prstGeom>
+        </p:spPr>
+      </p:pic>
+      <p:pic>
+        <p:nvPicPr>
+          <p:cNvPr id="9" name="図 8"/>
+          <p:cNvPicPr>
+            <a:picLocks noChangeAspect="1"/>
+          </p:cNvPicPr>
+          <p:nvPr/>
+        </p:nvPicPr>
+        <p:blipFill>
+          <a:blip r:embed="rId5">
+            <a:extLst>
+              <a:ext uri="{28A0092B-C50C-407E-A947-70E740481C1C}">
+                <a14:useLocalDpi xmlns:a14="http://schemas.microsoft.com/office/drawing/2010/main" val="0"/>
+              </a:ext>
+            </a:extLst>
+          </a:blip>
+          <a:stretch>
+            <a:fillRect/>
+          </a:stretch>
+        </p:blipFill>
+        <p:spPr>
+          <a:xfrm>
+            <a:off x="5959707" y="3817999"/>
+            <a:ext cx="5584632" cy="1998601"/>
+          </a:xfrm>
+          <a:prstGeom prst="rect">
+            <a:avLst/>
+          </a:prstGeom>
+        </p:spPr>
+      </p:pic>
+      <p:sp>
+        <p:nvSpPr>
+          <p:cNvPr id="10" name="テキスト ボックス 9"/>
+          <p:cNvSpPr txBox="1"/>
+          <p:nvPr/>
+        </p:nvSpPr>
+        <p:spPr>
+          <a:xfrm>
+            <a:off x="922867" y="457874"/>
+            <a:ext cx="9846733" cy="584775"/>
+          </a:xfrm>
+          <a:prstGeom prst="rect">
+            <a:avLst/>
+          </a:prstGeom>
+          <a:noFill/>
+        </p:spPr>
+        <p:txBody>
+          <a:bodyPr wrap="square" rtlCol="0">
+            <a:spAutoFit/>
+          </a:bodyPr>
+          <a:lstStyle/>
+          <a:p>
+            <a:r>
+              <a:rPr lang="ja-JP" altLang="en-US" sz="3200" dirty="0"/>
+              <a:t>スペクトログラムのサンプルをいくつかとってみた。</a:t>
+            </a:r>
+            <a:endParaRPr lang="en-US" altLang="ja-JP" sz="3200" dirty="0"/>
+          </a:p>
+        </p:txBody>
+      </p:sp>
+    </p:spTree>
+    <p:extLst>
+      <p:ext uri="{BB962C8B-B14F-4D97-AF65-F5344CB8AC3E}">
+        <p14:creationId xmlns:p14="http://schemas.microsoft.com/office/powerpoint/2010/main" val="883044065"/>
+      </p:ext>
+    </p:extLst>
+  </p:cSld>
+  <p:clrMapOvr>
+    <a:masterClrMapping/>
+  </p:clrMapOvr>
+  <p:timing>
+    <p:tnLst>
+      <p:par>
+        <p:cTn id="1" dur="indefinite" restart="never" nodeType="tmRoot"/>
+      </p:par>
+    </p:tnLst>
+  </p:timing>
 </p:sld>
 </file>
 
@@ -5348,4 +6105,265 @@
     </a:ext>
   </a:extLst>
 </a:theme>
+</file>
+
+<file path=ppt/theme/theme2.xml><?xml version="1.0" encoding="utf-8"?>
+<a:theme xmlns:a="http://schemas.openxmlformats.org/drawingml/2006/main" name="Office テーマ">
+  <a:themeElements>
+    <a:clrScheme name="Office">
+      <a:dk1>
+        <a:sysClr val="windowText" lastClr="000000"/>
+      </a:dk1>
+      <a:lt1>
+        <a:sysClr val="window" lastClr="FFFFFF"/>
+      </a:lt1>
+      <a:dk2>
+        <a:srgbClr val="44546A"/>
+      </a:dk2>
+      <a:lt2>
+        <a:srgbClr val="E7E6E6"/>
+      </a:lt2>
+      <a:accent1>
+        <a:srgbClr val="5B9BD5"/>
+      </a:accent1>
+      <a:accent2>
+        <a:srgbClr val="ED7D31"/>
+      </a:accent2>
+      <a:accent3>
+        <a:srgbClr val="A5A5A5"/>
+      </a:accent3>
+      <a:accent4>
+        <a:srgbClr val="FFC000"/>
+      </a:accent4>
+      <a:accent5>
+        <a:srgbClr val="4472C4"/>
+      </a:accent5>
+      <a:accent6>
+        <a:srgbClr val="70AD47"/>
+      </a:accent6>
+      <a:hlink>
+        <a:srgbClr val="0563C1"/>
+      </a:hlink>
+      <a:folHlink>
+        <a:srgbClr val="954F72"/>
+      </a:folHlink>
+    </a:clrScheme>
+    <a:fontScheme name="Office">
+      <a:majorFont>
+        <a:latin typeface="游ゴシック Light" panose="020F0302020204030204"/>
+        <a:ea typeface=""/>
+        <a:cs typeface=""/>
+        <a:font script="Jpan" typeface="游ゴシック Light"/>
+        <a:font script="Hang" typeface="맑은 고딕"/>
+        <a:font script="Hans" typeface="等线 Light"/>
+        <a:font script="Hant" typeface="新細明體"/>
+        <a:font script="Arab" typeface="Times New Roman"/>
+        <a:font script="Hebr" typeface="Times New Roman"/>
+        <a:font script="Thai" typeface="Angsana New"/>
+        <a:font script="Ethi" typeface="Nyala"/>
+        <a:font script="Beng" typeface="Vrinda"/>
+        <a:font script="Gujr" typeface="Shruti"/>
+        <a:font script="Khmr" typeface="MoolBoran"/>
+        <a:font script="Knda" typeface="Tunga"/>
+        <a:font script="Guru" typeface="Raavi"/>
+        <a:font script="Cans" typeface="Euphemia"/>
+        <a:font script="Cher" typeface="Plantagenet Cherokee"/>
+        <a:font script="Yiii" typeface="Microsoft Yi Baiti"/>
+        <a:font script="Tibt" typeface="Microsoft Himalaya"/>
+        <a:font script="Thaa" typeface="MV Boli"/>
+        <a:font script="Deva" typeface="Mangal"/>
+        <a:font script="Telu" typeface="Gautami"/>
+        <a:font script="Taml" typeface="Latha"/>
+        <a:font script="Syrc" typeface="Estrangelo Edessa"/>
+        <a:font script="Orya" typeface="Kalinga"/>
+        <a:font script="Mlym" typeface="Kartika"/>
+        <a:font script="Laoo" typeface="DokChampa"/>
+        <a:font script="Sinh" typeface="Iskoola Pota"/>
+        <a:font script="Mong" typeface="Mongolian Baiti"/>
+        <a:font script="Viet" typeface="Times New Roman"/>
+        <a:font script="Uigh" typeface="Microsoft Uighur"/>
+        <a:font script="Geor" typeface="Sylfaen"/>
+      </a:majorFont>
+      <a:minorFont>
+        <a:latin typeface="游ゴシック" panose="020F0502020204030204"/>
+        <a:ea typeface=""/>
+        <a:cs typeface=""/>
+        <a:font script="Jpan" typeface="游ゴシック"/>
+        <a:font script="Hang" typeface="맑은 고딕"/>
+        <a:font script="Hans" typeface="等线"/>
+        <a:font script="Hant" typeface="新細明體"/>
+        <a:font script="Arab" typeface="Arial"/>
+        <a:font script="Hebr" typeface="Arial"/>
+        <a:font script="Thai" typeface="Cordia New"/>
+        <a:font script="Ethi" typeface="Nyala"/>
+        <a:font script="Beng" typeface="Vrinda"/>
+        <a:font script="Gujr" typeface="Shruti"/>
+        <a:font script="Khmr" typeface="DaunPenh"/>
+        <a:font script="Knda" typeface="Tunga"/>
+        <a:font script="Guru" typeface="Raavi"/>
+        <a:font script="Cans" typeface="Euphemia"/>
+        <a:font script="Cher" typeface="Plantagenet Cherokee"/>
+        <a:font script="Yiii" typeface="Microsoft Yi Baiti"/>
+        <a:font script="Tibt" typeface="Microsoft Himalaya"/>
+        <a:font script="Thaa" typeface="MV Boli"/>
+        <a:font script="Deva" typeface="Mangal"/>
+        <a:font script="Telu" typeface="Gautami"/>
+        <a:font script="Taml" typeface="Latha"/>
+        <a:font script="Syrc" typeface="Estrangelo Edessa"/>
+        <a:font script="Orya" typeface="Kalinga"/>
+        <a:font script="Mlym" typeface="Kartika"/>
+        <a:font script="Laoo" typeface="DokChampa"/>
+        <a:font script="Sinh" typeface="Iskoola Pota"/>
+        <a:font script="Mong" typeface="Mongolian Baiti"/>
+        <a:font script="Viet" typeface="Arial"/>
+        <a:font script="Uigh" typeface="Microsoft Uighur"/>
+        <a:font script="Geor" typeface="Sylfaen"/>
+      </a:minorFont>
+    </a:fontScheme>
+    <a:fmtScheme name="Office">
+      <a:fillStyleLst>
+        <a:solidFill>
+          <a:schemeClr val="phClr"/>
+        </a:solidFill>
+        <a:gradFill rotWithShape="1">
+          <a:gsLst>
+            <a:gs pos="0">
+              <a:schemeClr val="phClr">
+                <a:lumMod val="110000"/>
+                <a:satMod val="105000"/>
+                <a:tint val="67000"/>
+              </a:schemeClr>
+            </a:gs>
+            <a:gs pos="50000">
+              <a:schemeClr val="phClr">
+                <a:lumMod val="105000"/>
+                <a:satMod val="103000"/>
+                <a:tint val="73000"/>
+              </a:schemeClr>
+            </a:gs>
+            <a:gs pos="100000">
+              <a:schemeClr val="phClr">
+                <a:lumMod val="105000"/>
+                <a:satMod val="109000"/>
+                <a:tint val="81000"/>
+              </a:schemeClr>
+            </a:gs>
+          </a:gsLst>
+          <a:lin ang="5400000" scaled="0"/>
+        </a:gradFill>
+        <a:gradFill rotWithShape="1">
+          <a:gsLst>
+            <a:gs pos="0">
+              <a:schemeClr val="phClr">
+                <a:satMod val="103000"/>
+                <a:lumMod val="102000"/>
+                <a:tint val="94000"/>
+              </a:schemeClr>
+            </a:gs>
+            <a:gs pos="50000">
+              <a:schemeClr val="phClr">
+                <a:satMod val="110000"/>
+                <a:lumMod val="100000"/>
+                <a:shade val="100000"/>
+              </a:schemeClr>
+            </a:gs>
+            <a:gs pos="100000">
+              <a:schemeClr val="phClr">
+                <a:lumMod val="99000"/>
+                <a:satMod val="120000"/>
+                <a:shade val="78000"/>
+              </a:schemeClr>
+            </a:gs>
+          </a:gsLst>
+          <a:lin ang="5400000" scaled="0"/>
+        </a:gradFill>
+      </a:fillStyleLst>
+      <a:lnStyleLst>
+        <a:ln w="6350" cap="flat" cmpd="sng" algn="ctr">
+          <a:solidFill>
+            <a:schemeClr val="phClr"/>
+          </a:solidFill>
+          <a:prstDash val="solid"/>
+          <a:miter lim="800000"/>
+        </a:ln>
+        <a:ln w="12700" cap="flat" cmpd="sng" algn="ctr">
+          <a:solidFill>
+            <a:schemeClr val="phClr"/>
+          </a:solidFill>
+          <a:prstDash val="solid"/>
+          <a:miter lim="800000"/>
+        </a:ln>
+        <a:ln w="19050" cap="flat" cmpd="sng" algn="ctr">
+          <a:solidFill>
+            <a:schemeClr val="phClr"/>
+          </a:solidFill>
+          <a:prstDash val="solid"/>
+          <a:miter lim="800000"/>
+        </a:ln>
+      </a:lnStyleLst>
+      <a:effectStyleLst>
+        <a:effectStyle>
+          <a:effectLst/>
+        </a:effectStyle>
+        <a:effectStyle>
+          <a:effectLst/>
+        </a:effectStyle>
+        <a:effectStyle>
+          <a:effectLst>
+            <a:outerShdw blurRad="57150" dist="19050" dir="5400000" algn="ctr" rotWithShape="0">
+              <a:srgbClr val="000000">
+                <a:alpha val="63000"/>
+              </a:srgbClr>
+            </a:outerShdw>
+          </a:effectLst>
+        </a:effectStyle>
+      </a:effectStyleLst>
+      <a:bgFillStyleLst>
+        <a:solidFill>
+          <a:schemeClr val="phClr"/>
+        </a:solidFill>
+        <a:solidFill>
+          <a:schemeClr val="phClr">
+            <a:tint val="95000"/>
+            <a:satMod val="170000"/>
+          </a:schemeClr>
+        </a:solidFill>
+        <a:gradFill rotWithShape="1">
+          <a:gsLst>
+            <a:gs pos="0">
+              <a:schemeClr val="phClr">
+                <a:tint val="93000"/>
+                <a:satMod val="150000"/>
+                <a:shade val="98000"/>
+                <a:lumMod val="102000"/>
+              </a:schemeClr>
+            </a:gs>
+            <a:gs pos="50000">
+              <a:schemeClr val="phClr">
+                <a:tint val="98000"/>
+                <a:satMod val="130000"/>
+                <a:shade val="90000"/>
+                <a:lumMod val="103000"/>
+              </a:schemeClr>
+            </a:gs>
+            <a:gs pos="100000">
+              <a:schemeClr val="phClr">
+                <a:shade val="63000"/>
+                <a:satMod val="120000"/>
+              </a:schemeClr>
+            </a:gs>
+          </a:gsLst>
+          <a:lin ang="5400000" scaled="0"/>
+        </a:gradFill>
+      </a:bgFillStyleLst>
+    </a:fmtScheme>
+  </a:themeElements>
+  <a:objectDefaults/>
+  <a:extraClrSchemeLst/>
+  <a:extLst>
+    <a:ext uri="{05A4C25C-085E-4340-85A3-A5531E510DB2}">
+      <thm15:themeFamily xmlns:thm15="http://schemas.microsoft.com/office/thememl/2012/main" name="Office Theme" id="{62F939B6-93AF-4DB8-9C6B-D6C7DFDC589F}" vid="{4A3C46E8-61CC-4603-A589-7422A47A8E4A}"/>
+    </a:ext>
+  </a:extLst>
+</a:theme>
 </file>